--- a/Presentation.pptx
+++ b/Presentation.pptx
@@ -5,13 +5,14 @@
     <p:sldMasterId id="2147483648" r:id="rId1"/>
   </p:sldMasterIdLst>
   <p:notesMasterIdLst>
-    <p:notesMasterId r:id="rId6"/>
+    <p:notesMasterId r:id="rId7"/>
   </p:notesMasterIdLst>
   <p:sldIdLst>
     <p:sldId id="256" r:id="rId2"/>
     <p:sldId id="257" r:id="rId3"/>
     <p:sldId id="258" r:id="rId4"/>
-    <p:sldId id="259" r:id="rId5"/>
+    <p:sldId id="260" r:id="rId5"/>
+    <p:sldId id="259" r:id="rId6"/>
   </p:sldIdLst>
   <p:sldSz cx="12192000" cy="6858000"/>
   <p:notesSz cx="6858000" cy="9144000"/>
@@ -110,6 +111,11 @@
       </a:defRPr>
     </a:lvl9pPr>
   </p:defaultTextStyle>
+  <p:extLst>
+    <p:ext uri="{EFAFB233-063F-42B5-8137-9DF3F51BA10A}">
+      <p15:sldGuideLst xmlns:p15="http://schemas.microsoft.com/office/powerpoint/2012/main"/>
+    </p:ext>
+  </p:extLst>
 </p:presentation>
 </file>
 
@@ -1732,6 +1738,927 @@
     <dgm:fillClrLst meth="repeat">
       <a:schemeClr val="accent2">
         <a:tint val="40000"/>
+      </a:schemeClr>
+    </dgm:fillClrLst>
+    <dgm:linClrLst meth="repeat">
+      <a:schemeClr val="dk1"/>
+    </dgm:linClrLst>
+    <dgm:effectClrLst/>
+    <dgm:txLinClrLst/>
+    <dgm:txFillClrLst meth="repeat">
+      <a:schemeClr val="dk1"/>
+    </dgm:txFillClrLst>
+    <dgm:txEffectClrLst/>
+  </dgm:styleLbl>
+  <dgm:styleLbl name="dkBgShp">
+    <dgm:fillClrLst meth="repeat">
+      <a:schemeClr val="accent2">
+        <a:shade val="90000"/>
+      </a:schemeClr>
+    </dgm:fillClrLst>
+    <dgm:linClrLst meth="repeat">
+      <a:schemeClr val="dk1"/>
+    </dgm:linClrLst>
+    <dgm:effectClrLst/>
+    <dgm:txLinClrLst/>
+    <dgm:txFillClrLst meth="repeat">
+      <a:schemeClr val="lt1"/>
+    </dgm:txFillClrLst>
+    <dgm:txEffectClrLst/>
+  </dgm:styleLbl>
+  <dgm:styleLbl name="trBgShp">
+    <dgm:fillClrLst meth="repeat">
+      <a:schemeClr val="accent1">
+        <a:tint val="50000"/>
+        <a:alpha val="40000"/>
+      </a:schemeClr>
+    </dgm:fillClrLst>
+    <dgm:linClrLst meth="repeat">
+      <a:schemeClr val="accent2"/>
+    </dgm:linClrLst>
+    <dgm:effectClrLst/>
+    <dgm:txLinClrLst/>
+    <dgm:txFillClrLst meth="repeat">
+      <a:schemeClr val="lt1"/>
+    </dgm:txFillClrLst>
+    <dgm:txEffectClrLst/>
+  </dgm:styleLbl>
+  <dgm:styleLbl name="fgShp">
+    <dgm:fillClrLst meth="repeat">
+      <a:schemeClr val="accent2">
+        <a:tint val="40000"/>
+      </a:schemeClr>
+    </dgm:fillClrLst>
+    <dgm:linClrLst meth="repeat">
+      <a:schemeClr val="lt1"/>
+    </dgm:linClrLst>
+    <dgm:effectClrLst/>
+    <dgm:txLinClrLst/>
+    <dgm:txFillClrLst meth="repeat">
+      <a:schemeClr val="dk1"/>
+    </dgm:txFillClrLst>
+    <dgm:txEffectClrLst/>
+  </dgm:styleLbl>
+  <dgm:styleLbl name="revTx">
+    <dgm:fillClrLst meth="repeat">
+      <a:schemeClr val="lt1">
+        <a:alpha val="0"/>
+      </a:schemeClr>
+    </dgm:fillClrLst>
+    <dgm:linClrLst meth="repeat">
+      <a:schemeClr val="dk1">
+        <a:alpha val="0"/>
+      </a:schemeClr>
+    </dgm:linClrLst>
+    <dgm:effectClrLst/>
+    <dgm:txLinClrLst/>
+    <dgm:txFillClrLst meth="repeat">
+      <a:schemeClr val="tx1"/>
+    </dgm:txFillClrLst>
+    <dgm:txEffectClrLst/>
+  </dgm:styleLbl>
+</dgm:colorsDef>
+</file>
+
+<file path=ppt/diagrams/colors3.xml><?xml version="1.0" encoding="utf-8"?>
+<dgm:colorsDef xmlns:dgm="http://schemas.openxmlformats.org/drawingml/2006/diagram" xmlns:a="http://schemas.openxmlformats.org/drawingml/2006/main" uniqueId="urn:microsoft.com/office/officeart/2018/5/colors/Iconchunking_neutralbg_colorful1">
+  <dgm:title val=""/>
+  <dgm:desc val=""/>
+  <dgm:catLst>
+    <dgm:cat type="colorful" pri="10100"/>
+  </dgm:catLst>
+  <dgm:styleLbl name="node0">
+    <dgm:fillClrLst meth="repeat">
+      <a:schemeClr val="accent1"/>
+    </dgm:fillClrLst>
+    <dgm:linClrLst meth="repeat">
+      <a:schemeClr val="lt1"/>
+    </dgm:linClrLst>
+    <dgm:effectClrLst/>
+    <dgm:txLinClrLst/>
+    <dgm:txFillClrLst/>
+    <dgm:txEffectClrLst/>
+  </dgm:styleLbl>
+  <dgm:styleLbl name="node1">
+    <dgm:fillClrLst meth="repeat">
+      <a:schemeClr val="accent2"/>
+      <a:schemeClr val="accent3"/>
+      <a:schemeClr val="accent4"/>
+      <a:schemeClr val="accent5"/>
+      <a:schemeClr val="accent6"/>
+    </dgm:fillClrLst>
+    <dgm:linClrLst meth="repeat">
+      <a:schemeClr val="lt1">
+        <a:alpha val="0"/>
+      </a:schemeClr>
+    </dgm:linClrLst>
+    <dgm:effectClrLst/>
+    <dgm:txLinClrLst/>
+    <dgm:txFillClrLst/>
+    <dgm:txEffectClrLst/>
+  </dgm:styleLbl>
+  <dgm:styleLbl name="alignNode1">
+    <dgm:fillClrLst meth="repeat">
+      <a:schemeClr val="accent2"/>
+      <a:schemeClr val="accent3"/>
+      <a:schemeClr val="accent4"/>
+      <a:schemeClr val="accent5"/>
+      <a:schemeClr val="accent6"/>
+    </dgm:fillClrLst>
+    <dgm:linClrLst meth="repeat">
+      <a:schemeClr val="accent2"/>
+      <a:schemeClr val="accent3"/>
+      <a:schemeClr val="accent4"/>
+      <a:schemeClr val="accent5"/>
+      <a:schemeClr val="accent6"/>
+    </dgm:linClrLst>
+    <dgm:effectClrLst/>
+    <dgm:txLinClrLst/>
+    <dgm:txFillClrLst/>
+    <dgm:txEffectClrLst/>
+  </dgm:styleLbl>
+  <dgm:styleLbl name="lnNode1">
+    <dgm:fillClrLst meth="repeat">
+      <a:schemeClr val="accent2"/>
+      <a:schemeClr val="accent3"/>
+      <a:schemeClr val="accent4"/>
+      <a:schemeClr val="accent5"/>
+      <a:schemeClr val="accent6"/>
+    </dgm:fillClrLst>
+    <dgm:linClrLst meth="repeat">
+      <a:schemeClr val="lt1"/>
+    </dgm:linClrLst>
+    <dgm:effectClrLst/>
+    <dgm:txLinClrLst/>
+    <dgm:txFillClrLst/>
+    <dgm:txEffectClrLst/>
+  </dgm:styleLbl>
+  <dgm:styleLbl name="vennNode1">
+    <dgm:fillClrLst meth="repeat">
+      <a:schemeClr val="accent2">
+        <a:alpha val="50000"/>
+      </a:schemeClr>
+      <a:schemeClr val="accent3">
+        <a:alpha val="50000"/>
+      </a:schemeClr>
+      <a:schemeClr val="accent4">
+        <a:alpha val="50000"/>
+      </a:schemeClr>
+      <a:schemeClr val="accent5">
+        <a:alpha val="50000"/>
+      </a:schemeClr>
+      <a:schemeClr val="accent6">
+        <a:alpha val="50000"/>
+      </a:schemeClr>
+    </dgm:fillClrLst>
+    <dgm:linClrLst meth="repeat">
+      <a:schemeClr val="lt1"/>
+    </dgm:linClrLst>
+    <dgm:effectClrLst/>
+    <dgm:txLinClrLst/>
+    <dgm:txFillClrLst/>
+    <dgm:txEffectClrLst/>
+  </dgm:styleLbl>
+  <dgm:styleLbl name="node2">
+    <dgm:fillClrLst>
+      <a:schemeClr val="accent2"/>
+    </dgm:fillClrLst>
+    <dgm:linClrLst meth="repeat">
+      <a:schemeClr val="lt1"/>
+    </dgm:linClrLst>
+    <dgm:effectClrLst/>
+    <dgm:txLinClrLst/>
+    <dgm:txFillClrLst/>
+    <dgm:txEffectClrLst/>
+  </dgm:styleLbl>
+  <dgm:styleLbl name="node3">
+    <dgm:fillClrLst>
+      <a:schemeClr val="accent3"/>
+    </dgm:fillClrLst>
+    <dgm:linClrLst meth="repeat">
+      <a:schemeClr val="lt1"/>
+    </dgm:linClrLst>
+    <dgm:effectClrLst/>
+    <dgm:txLinClrLst/>
+    <dgm:txFillClrLst/>
+    <dgm:txEffectClrLst/>
+  </dgm:styleLbl>
+  <dgm:styleLbl name="node4">
+    <dgm:fillClrLst>
+      <a:schemeClr val="accent4"/>
+    </dgm:fillClrLst>
+    <dgm:linClrLst meth="repeat">
+      <a:schemeClr val="lt1"/>
+    </dgm:linClrLst>
+    <dgm:effectClrLst/>
+    <dgm:txLinClrLst/>
+    <dgm:txFillClrLst/>
+    <dgm:txEffectClrLst/>
+  </dgm:styleLbl>
+  <dgm:styleLbl name="fgImgPlace1">
+    <dgm:fillClrLst meth="repeat">
+      <a:schemeClr val="accent2">
+        <a:tint val="50000"/>
+      </a:schemeClr>
+      <a:schemeClr val="accent3">
+        <a:tint val="50000"/>
+      </a:schemeClr>
+      <a:schemeClr val="accent4">
+        <a:tint val="50000"/>
+      </a:schemeClr>
+      <a:schemeClr val="accent5">
+        <a:tint val="50000"/>
+      </a:schemeClr>
+      <a:schemeClr val="accent6">
+        <a:tint val="50000"/>
+      </a:schemeClr>
+    </dgm:fillClrLst>
+    <dgm:linClrLst meth="repeat">
+      <a:schemeClr val="lt1"/>
+    </dgm:linClrLst>
+    <dgm:effectClrLst/>
+    <dgm:txLinClrLst/>
+    <dgm:txFillClrLst meth="repeat">
+      <a:schemeClr val="lt1"/>
+    </dgm:txFillClrLst>
+    <dgm:txEffectClrLst/>
+  </dgm:styleLbl>
+  <dgm:styleLbl name="alignImgPlace1">
+    <dgm:fillClrLst>
+      <a:schemeClr val="accent1">
+        <a:tint val="50000"/>
+      </a:schemeClr>
+      <a:schemeClr val="accent2">
+        <a:tint val="20000"/>
+      </a:schemeClr>
+    </dgm:fillClrLst>
+    <dgm:linClrLst meth="repeat">
+      <a:schemeClr val="lt1"/>
+    </dgm:linClrLst>
+    <dgm:effectClrLst/>
+    <dgm:txLinClrLst/>
+    <dgm:txFillClrLst meth="repeat">
+      <a:schemeClr val="lt1"/>
+    </dgm:txFillClrLst>
+    <dgm:txEffectClrLst/>
+  </dgm:styleLbl>
+  <dgm:styleLbl name="bgImgPlace1">
+    <dgm:fillClrLst>
+      <a:schemeClr val="accent1">
+        <a:tint val="50000"/>
+      </a:schemeClr>
+      <a:schemeClr val="accent2">
+        <a:tint val="20000"/>
+      </a:schemeClr>
+    </dgm:fillClrLst>
+    <dgm:linClrLst meth="repeat">
+      <a:schemeClr val="lt1"/>
+    </dgm:linClrLst>
+    <dgm:effectClrLst/>
+    <dgm:txLinClrLst/>
+    <dgm:txFillClrLst meth="repeat">
+      <a:schemeClr val="lt1"/>
+    </dgm:txFillClrLst>
+    <dgm:txEffectClrLst/>
+  </dgm:styleLbl>
+  <dgm:styleLbl name="sibTrans2D1">
+    <dgm:fillClrLst meth="repeat">
+      <a:schemeClr val="accent2"/>
+      <a:schemeClr val="accent3"/>
+      <a:schemeClr val="accent4"/>
+      <a:schemeClr val="accent5"/>
+      <a:schemeClr val="accent6"/>
+    </dgm:fillClrLst>
+    <dgm:linClrLst meth="cycle">
+      <a:schemeClr val="lt1"/>
+    </dgm:linClrLst>
+    <dgm:effectClrLst/>
+    <dgm:txLinClrLst/>
+    <dgm:txFillClrLst/>
+    <dgm:txEffectClrLst/>
+  </dgm:styleLbl>
+  <dgm:styleLbl name="fgSibTrans2D1">
+    <dgm:fillClrLst meth="repeat">
+      <a:schemeClr val="accent2"/>
+      <a:schemeClr val="accent3"/>
+      <a:schemeClr val="accent4"/>
+      <a:schemeClr val="accent5"/>
+      <a:schemeClr val="accent6"/>
+    </dgm:fillClrLst>
+    <dgm:linClrLst meth="cycle">
+      <a:schemeClr val="lt1"/>
+    </dgm:linClrLst>
+    <dgm:effectClrLst/>
+    <dgm:txLinClrLst/>
+    <dgm:txFillClrLst meth="repeat">
+      <a:schemeClr val="lt1"/>
+    </dgm:txFillClrLst>
+    <dgm:txEffectClrLst/>
+  </dgm:styleLbl>
+  <dgm:styleLbl name="bgSibTrans2D1">
+    <dgm:fillClrLst meth="repeat">
+      <a:schemeClr val="accent2"/>
+      <a:schemeClr val="accent3"/>
+      <a:schemeClr val="accent4"/>
+      <a:schemeClr val="accent5"/>
+      <a:schemeClr val="accent6"/>
+    </dgm:fillClrLst>
+    <dgm:linClrLst meth="cycle">
+      <a:schemeClr val="lt1"/>
+    </dgm:linClrLst>
+    <dgm:effectClrLst/>
+    <dgm:txLinClrLst/>
+    <dgm:txFillClrLst meth="repeat">
+      <a:schemeClr val="lt1"/>
+    </dgm:txFillClrLst>
+    <dgm:txEffectClrLst/>
+  </dgm:styleLbl>
+  <dgm:styleLbl name="sibTrans1D1">
+    <dgm:fillClrLst meth="repeat">
+      <a:schemeClr val="accent2"/>
+      <a:schemeClr val="accent3"/>
+      <a:schemeClr val="accent4"/>
+      <a:schemeClr val="accent5"/>
+      <a:schemeClr val="accent6"/>
+    </dgm:fillClrLst>
+    <dgm:linClrLst meth="repeat">
+      <a:schemeClr val="accent2"/>
+      <a:schemeClr val="accent3"/>
+      <a:schemeClr val="accent4"/>
+      <a:schemeClr val="accent5"/>
+      <a:schemeClr val="accent6"/>
+    </dgm:linClrLst>
+    <dgm:effectClrLst/>
+    <dgm:txLinClrLst/>
+    <dgm:txFillClrLst meth="repeat">
+      <a:schemeClr val="tx1"/>
+    </dgm:txFillClrLst>
+    <dgm:txEffectClrLst/>
+  </dgm:styleLbl>
+  <dgm:styleLbl name="callout">
+    <dgm:fillClrLst meth="repeat">
+      <a:schemeClr val="accent2"/>
+    </dgm:fillClrLst>
+    <dgm:linClrLst meth="repeat">
+      <a:schemeClr val="accent2">
+        <a:tint val="50000"/>
+      </a:schemeClr>
+    </dgm:linClrLst>
+    <dgm:effectClrLst/>
+    <dgm:txLinClrLst/>
+    <dgm:txFillClrLst meth="repeat">
+      <a:schemeClr val="tx1"/>
+    </dgm:txFillClrLst>
+    <dgm:txEffectClrLst/>
+  </dgm:styleLbl>
+  <dgm:styleLbl name="asst0">
+    <dgm:fillClrLst meth="repeat">
+      <a:schemeClr val="accent1"/>
+    </dgm:fillClrLst>
+    <dgm:linClrLst meth="repeat">
+      <a:schemeClr val="lt1"/>
+    </dgm:linClrLst>
+    <dgm:effectClrLst/>
+    <dgm:txLinClrLst/>
+    <dgm:txFillClrLst/>
+    <dgm:txEffectClrLst/>
+  </dgm:styleLbl>
+  <dgm:styleLbl name="asst1">
+    <dgm:fillClrLst meth="repeat">
+      <a:schemeClr val="accent2"/>
+    </dgm:fillClrLst>
+    <dgm:linClrLst meth="repeat">
+      <a:schemeClr val="lt1"/>
+    </dgm:linClrLst>
+    <dgm:effectClrLst/>
+    <dgm:txLinClrLst/>
+    <dgm:txFillClrLst/>
+    <dgm:txEffectClrLst/>
+  </dgm:styleLbl>
+  <dgm:styleLbl name="asst2">
+    <dgm:fillClrLst>
+      <a:schemeClr val="accent3"/>
+    </dgm:fillClrLst>
+    <dgm:linClrLst meth="repeat">
+      <a:schemeClr val="lt1"/>
+    </dgm:linClrLst>
+    <dgm:effectClrLst/>
+    <dgm:txLinClrLst/>
+    <dgm:txFillClrLst/>
+    <dgm:txEffectClrLst/>
+  </dgm:styleLbl>
+  <dgm:styleLbl name="asst3">
+    <dgm:fillClrLst>
+      <a:schemeClr val="accent4"/>
+    </dgm:fillClrLst>
+    <dgm:linClrLst meth="repeat">
+      <a:schemeClr val="lt1"/>
+    </dgm:linClrLst>
+    <dgm:effectClrLst/>
+    <dgm:txLinClrLst/>
+    <dgm:txFillClrLst/>
+    <dgm:txEffectClrLst/>
+  </dgm:styleLbl>
+  <dgm:styleLbl name="asst4">
+    <dgm:fillClrLst>
+      <a:schemeClr val="accent5"/>
+    </dgm:fillClrLst>
+    <dgm:linClrLst meth="repeat">
+      <a:schemeClr val="lt1"/>
+    </dgm:linClrLst>
+    <dgm:effectClrLst/>
+    <dgm:txLinClrLst/>
+    <dgm:txFillClrLst/>
+    <dgm:txEffectClrLst/>
+  </dgm:styleLbl>
+  <dgm:styleLbl name="parChTrans2D1">
+    <dgm:fillClrLst meth="repeat">
+      <a:schemeClr val="accent2"/>
+    </dgm:fillClrLst>
+    <dgm:linClrLst meth="repeat">
+      <a:schemeClr val="lt1"/>
+    </dgm:linClrLst>
+    <dgm:effectClrLst/>
+    <dgm:txLinClrLst/>
+    <dgm:txFillClrLst meth="repeat">
+      <a:schemeClr val="lt1"/>
+    </dgm:txFillClrLst>
+    <dgm:txEffectClrLst/>
+  </dgm:styleLbl>
+  <dgm:styleLbl name="parChTrans2D2">
+    <dgm:fillClrLst meth="repeat">
+      <a:schemeClr val="accent3"/>
+    </dgm:fillClrLst>
+    <dgm:linClrLst meth="repeat">
+      <a:schemeClr val="lt1"/>
+    </dgm:linClrLst>
+    <dgm:effectClrLst/>
+    <dgm:txLinClrLst/>
+    <dgm:txFillClrLst/>
+    <dgm:txEffectClrLst/>
+  </dgm:styleLbl>
+  <dgm:styleLbl name="parChTrans2D3">
+    <dgm:fillClrLst meth="repeat">
+      <a:schemeClr val="accent4"/>
+    </dgm:fillClrLst>
+    <dgm:linClrLst meth="repeat">
+      <a:schemeClr val="lt1"/>
+    </dgm:linClrLst>
+    <dgm:effectClrLst/>
+    <dgm:txLinClrLst/>
+    <dgm:txFillClrLst/>
+    <dgm:txEffectClrLst/>
+  </dgm:styleLbl>
+  <dgm:styleLbl name="parChTrans2D4">
+    <dgm:fillClrLst meth="repeat">
+      <a:schemeClr val="accent5"/>
+    </dgm:fillClrLst>
+    <dgm:linClrLst meth="repeat">
+      <a:schemeClr val="lt1"/>
+    </dgm:linClrLst>
+    <dgm:effectClrLst/>
+    <dgm:txLinClrLst/>
+    <dgm:txFillClrLst meth="repeat">
+      <a:schemeClr val="lt1"/>
+    </dgm:txFillClrLst>
+    <dgm:txEffectClrLst/>
+  </dgm:styleLbl>
+  <dgm:styleLbl name="parChTrans1D1">
+    <dgm:fillClrLst meth="repeat">
+      <a:schemeClr val="accent2"/>
+    </dgm:fillClrLst>
+    <dgm:linClrLst meth="repeat">
+      <a:schemeClr val="accent1"/>
+    </dgm:linClrLst>
+    <dgm:effectClrLst/>
+    <dgm:txLinClrLst/>
+    <dgm:txFillClrLst meth="repeat">
+      <a:schemeClr val="tx1"/>
+    </dgm:txFillClrLst>
+    <dgm:txEffectClrLst/>
+  </dgm:styleLbl>
+  <dgm:styleLbl name="parChTrans1D2">
+    <dgm:fillClrLst meth="repeat">
+      <a:schemeClr val="accent3">
+        <a:tint val="90000"/>
+      </a:schemeClr>
+    </dgm:fillClrLst>
+    <dgm:linClrLst meth="repeat">
+      <a:schemeClr val="accent2"/>
+    </dgm:linClrLst>
+    <dgm:effectClrLst/>
+    <dgm:txLinClrLst/>
+    <dgm:txFillClrLst meth="repeat">
+      <a:schemeClr val="tx1"/>
+    </dgm:txFillClrLst>
+    <dgm:txEffectClrLst/>
+  </dgm:styleLbl>
+  <dgm:styleLbl name="parChTrans1D3">
+    <dgm:fillClrLst meth="repeat">
+      <a:schemeClr val="accent4">
+        <a:tint val="70000"/>
+      </a:schemeClr>
+    </dgm:fillClrLst>
+    <dgm:linClrLst meth="repeat">
+      <a:schemeClr val="accent3"/>
+    </dgm:linClrLst>
+    <dgm:effectClrLst/>
+    <dgm:txLinClrLst/>
+    <dgm:txFillClrLst meth="repeat">
+      <a:schemeClr val="tx1"/>
+    </dgm:txFillClrLst>
+    <dgm:txEffectClrLst/>
+  </dgm:styleLbl>
+  <dgm:styleLbl name="parChTrans1D4">
+    <dgm:fillClrLst meth="repeat">
+      <a:schemeClr val="accent5">
+        <a:tint val="50000"/>
+      </a:schemeClr>
+    </dgm:fillClrLst>
+    <dgm:linClrLst meth="repeat">
+      <a:schemeClr val="accent4"/>
+    </dgm:linClrLst>
+    <dgm:effectClrLst/>
+    <dgm:txLinClrLst/>
+    <dgm:txFillClrLst meth="repeat">
+      <a:schemeClr val="tx1"/>
+    </dgm:txFillClrLst>
+    <dgm:txEffectClrLst/>
+  </dgm:styleLbl>
+  <dgm:styleLbl name="fgAcc1">
+    <dgm:fillClrLst meth="repeat">
+      <a:schemeClr val="lt1">
+        <a:alpha val="90000"/>
+      </a:schemeClr>
+    </dgm:fillClrLst>
+    <dgm:linClrLst meth="repeat">
+      <a:schemeClr val="accent2"/>
+      <a:schemeClr val="accent3"/>
+      <a:schemeClr val="accent4"/>
+      <a:schemeClr val="accent5"/>
+      <a:schemeClr val="accent6"/>
+    </dgm:linClrLst>
+    <dgm:effectClrLst/>
+    <dgm:txLinClrLst/>
+    <dgm:txFillClrLst meth="repeat">
+      <a:schemeClr val="dk1"/>
+    </dgm:txFillClrLst>
+    <dgm:txEffectClrLst/>
+  </dgm:styleLbl>
+  <dgm:styleLbl name="conFgAcc1">
+    <dgm:fillClrLst meth="repeat">
+      <a:schemeClr val="lt1">
+        <a:alpha val="90000"/>
+      </a:schemeClr>
+    </dgm:fillClrLst>
+    <dgm:linClrLst meth="repeat">
+      <a:schemeClr val="accent2"/>
+      <a:schemeClr val="accent3"/>
+      <a:schemeClr val="accent4"/>
+      <a:schemeClr val="accent5"/>
+      <a:schemeClr val="accent6"/>
+    </dgm:linClrLst>
+    <dgm:effectClrLst/>
+    <dgm:txLinClrLst/>
+    <dgm:txFillClrLst meth="repeat">
+      <a:schemeClr val="dk1"/>
+    </dgm:txFillClrLst>
+    <dgm:txEffectClrLst/>
+  </dgm:styleLbl>
+  <dgm:styleLbl name="alignAcc1">
+    <dgm:fillClrLst meth="repeat">
+      <a:schemeClr val="lt1">
+        <a:alpha val="90000"/>
+      </a:schemeClr>
+    </dgm:fillClrLst>
+    <dgm:linClrLst meth="repeat">
+      <a:schemeClr val="accent2"/>
+      <a:schemeClr val="accent3"/>
+      <a:schemeClr val="accent4"/>
+      <a:schemeClr val="accent5"/>
+      <a:schemeClr val="accent6"/>
+    </dgm:linClrLst>
+    <dgm:effectClrLst/>
+    <dgm:txLinClrLst/>
+    <dgm:txFillClrLst meth="repeat">
+      <a:schemeClr val="dk1"/>
+    </dgm:txFillClrLst>
+    <dgm:txEffectClrLst/>
+  </dgm:styleLbl>
+  <dgm:styleLbl name="trAlignAcc1">
+    <dgm:fillClrLst meth="repeat">
+      <a:schemeClr val="lt1">
+        <a:alpha val="40000"/>
+      </a:schemeClr>
+    </dgm:fillClrLst>
+    <dgm:linClrLst meth="repeat">
+      <a:schemeClr val="accent1"/>
+    </dgm:linClrLst>
+    <dgm:effectClrLst/>
+    <dgm:txLinClrLst/>
+    <dgm:txFillClrLst meth="repeat">
+      <a:schemeClr val="dk1"/>
+    </dgm:txFillClrLst>
+    <dgm:txEffectClrLst/>
+  </dgm:styleLbl>
+  <dgm:styleLbl name="bgAcc1">
+    <dgm:fillClrLst meth="repeat">
+      <a:schemeClr val="lt1">
+        <a:alpha val="90000"/>
+      </a:schemeClr>
+    </dgm:fillClrLst>
+    <dgm:linClrLst meth="repeat">
+      <a:schemeClr val="accent2"/>
+      <a:schemeClr val="accent3"/>
+      <a:schemeClr val="accent4"/>
+      <a:schemeClr val="accent5"/>
+      <a:schemeClr val="accent6"/>
+    </dgm:linClrLst>
+    <dgm:effectClrLst/>
+    <dgm:txLinClrLst/>
+    <dgm:txFillClrLst meth="repeat">
+      <a:schemeClr val="dk1"/>
+    </dgm:txFillClrLst>
+    <dgm:txEffectClrLst/>
+  </dgm:styleLbl>
+  <dgm:styleLbl name="solidFgAcc1">
+    <dgm:fillClrLst meth="repeat">
+      <a:schemeClr val="lt1"/>
+    </dgm:fillClrLst>
+    <dgm:linClrLst meth="repeat">
+      <a:schemeClr val="accent2"/>
+      <a:schemeClr val="accent3"/>
+      <a:schemeClr val="accent4"/>
+      <a:schemeClr val="accent5"/>
+      <a:schemeClr val="accent6"/>
+    </dgm:linClrLst>
+    <dgm:effectClrLst/>
+    <dgm:txLinClrLst/>
+    <dgm:txFillClrLst meth="repeat">
+      <a:schemeClr val="dk1"/>
+    </dgm:txFillClrLst>
+    <dgm:txEffectClrLst/>
+  </dgm:styleLbl>
+  <dgm:styleLbl name="solidAlignAcc1">
+    <dgm:fillClrLst meth="repeat">
+      <a:schemeClr val="lt1"/>
+    </dgm:fillClrLst>
+    <dgm:linClrLst meth="repeat">
+      <a:schemeClr val="accent2"/>
+      <a:schemeClr val="accent3"/>
+      <a:schemeClr val="accent4"/>
+      <a:schemeClr val="accent5"/>
+      <a:schemeClr val="accent6"/>
+    </dgm:linClrLst>
+    <dgm:effectClrLst/>
+    <dgm:txLinClrLst/>
+    <dgm:txFillClrLst meth="repeat">
+      <a:schemeClr val="dk1"/>
+    </dgm:txFillClrLst>
+    <dgm:txEffectClrLst/>
+  </dgm:styleLbl>
+  <dgm:styleLbl name="solidBgAcc1">
+    <dgm:fillClrLst meth="repeat">
+      <a:schemeClr val="lt1"/>
+    </dgm:fillClrLst>
+    <dgm:linClrLst meth="repeat">
+      <a:schemeClr val="accent2"/>
+      <a:schemeClr val="accent3"/>
+      <a:schemeClr val="accent4"/>
+      <a:schemeClr val="accent5"/>
+      <a:schemeClr val="accent6"/>
+    </dgm:linClrLst>
+    <dgm:effectClrLst/>
+    <dgm:txLinClrLst/>
+    <dgm:txFillClrLst meth="repeat">
+      <a:schemeClr val="dk1"/>
+    </dgm:txFillClrLst>
+    <dgm:txEffectClrLst/>
+  </dgm:styleLbl>
+  <dgm:styleLbl name="fgAccFollowNode1">
+    <dgm:fillClrLst meth="repeat">
+      <a:schemeClr val="accent2">
+        <a:tint val="40000"/>
+        <a:alpha val="90000"/>
+      </a:schemeClr>
+      <a:schemeClr val="accent3">
+        <a:tint val="40000"/>
+        <a:alpha val="90000"/>
+      </a:schemeClr>
+      <a:schemeClr val="accent4">
+        <a:tint val="40000"/>
+        <a:alpha val="90000"/>
+      </a:schemeClr>
+      <a:schemeClr val="accent5">
+        <a:tint val="40000"/>
+        <a:alpha val="90000"/>
+      </a:schemeClr>
+      <a:schemeClr val="accent6">
+        <a:tint val="40000"/>
+        <a:alpha val="90000"/>
+      </a:schemeClr>
+    </dgm:fillClrLst>
+    <dgm:linClrLst meth="repeat">
+      <a:schemeClr val="accent2">
+        <a:tint val="40000"/>
+        <a:alpha val="90000"/>
+      </a:schemeClr>
+      <a:schemeClr val="accent3">
+        <a:tint val="40000"/>
+        <a:alpha val="90000"/>
+      </a:schemeClr>
+      <a:schemeClr val="accent4">
+        <a:tint val="40000"/>
+        <a:alpha val="90000"/>
+      </a:schemeClr>
+      <a:schemeClr val="accent5">
+        <a:tint val="40000"/>
+        <a:alpha val="90000"/>
+      </a:schemeClr>
+      <a:schemeClr val="accent6">
+        <a:tint val="40000"/>
+        <a:alpha val="90000"/>
+      </a:schemeClr>
+    </dgm:linClrLst>
+    <dgm:effectClrLst/>
+    <dgm:txLinClrLst/>
+    <dgm:txFillClrLst meth="repeat">
+      <a:schemeClr val="dk1"/>
+    </dgm:txFillClrLst>
+    <dgm:txEffectClrLst/>
+  </dgm:styleLbl>
+  <dgm:styleLbl name="alignAccFollowNode1">
+    <dgm:fillClrLst meth="repeat">
+      <a:schemeClr val="accent2">
+        <a:tint val="40000"/>
+        <a:alpha val="90000"/>
+      </a:schemeClr>
+      <a:schemeClr val="accent3">
+        <a:tint val="40000"/>
+        <a:alpha val="90000"/>
+      </a:schemeClr>
+      <a:schemeClr val="accent4">
+        <a:tint val="40000"/>
+        <a:alpha val="90000"/>
+      </a:schemeClr>
+      <a:schemeClr val="accent5">
+        <a:tint val="40000"/>
+        <a:alpha val="90000"/>
+      </a:schemeClr>
+      <a:schemeClr val="accent6">
+        <a:tint val="40000"/>
+        <a:alpha val="90000"/>
+      </a:schemeClr>
+    </dgm:fillClrLst>
+    <dgm:linClrLst meth="repeat">
+      <a:schemeClr val="accent2">
+        <a:tint val="40000"/>
+        <a:alpha val="90000"/>
+      </a:schemeClr>
+      <a:schemeClr val="accent3">
+        <a:tint val="40000"/>
+        <a:alpha val="90000"/>
+      </a:schemeClr>
+      <a:schemeClr val="accent4">
+        <a:tint val="40000"/>
+        <a:alpha val="90000"/>
+      </a:schemeClr>
+      <a:schemeClr val="accent5">
+        <a:tint val="40000"/>
+        <a:alpha val="90000"/>
+      </a:schemeClr>
+      <a:schemeClr val="accent6">
+        <a:tint val="40000"/>
+        <a:alpha val="90000"/>
+      </a:schemeClr>
+    </dgm:linClrLst>
+    <dgm:effectClrLst/>
+    <dgm:txLinClrLst/>
+    <dgm:txFillClrLst meth="repeat">
+      <a:schemeClr val="dk1"/>
+    </dgm:txFillClrLst>
+    <dgm:txEffectClrLst/>
+  </dgm:styleLbl>
+  <dgm:styleLbl name="bgAccFollowNode1">
+    <dgm:fillClrLst meth="repeat">
+      <a:schemeClr val="accent2">
+        <a:tint val="40000"/>
+        <a:alpha val="90000"/>
+      </a:schemeClr>
+      <a:schemeClr val="accent3">
+        <a:tint val="40000"/>
+        <a:alpha val="90000"/>
+      </a:schemeClr>
+      <a:schemeClr val="accent4">
+        <a:tint val="40000"/>
+        <a:alpha val="90000"/>
+      </a:schemeClr>
+      <a:schemeClr val="accent5">
+        <a:tint val="40000"/>
+        <a:alpha val="90000"/>
+      </a:schemeClr>
+      <a:schemeClr val="accent6">
+        <a:tint val="40000"/>
+        <a:alpha val="90000"/>
+      </a:schemeClr>
+    </dgm:fillClrLst>
+    <dgm:linClrLst meth="repeat">
+      <a:schemeClr val="accent2">
+        <a:tint val="40000"/>
+        <a:alpha val="90000"/>
+      </a:schemeClr>
+      <a:schemeClr val="accent3">
+        <a:tint val="40000"/>
+        <a:alpha val="90000"/>
+      </a:schemeClr>
+      <a:schemeClr val="accent4">
+        <a:tint val="40000"/>
+        <a:alpha val="90000"/>
+      </a:schemeClr>
+      <a:schemeClr val="accent5">
+        <a:tint val="40000"/>
+        <a:alpha val="90000"/>
+      </a:schemeClr>
+      <a:schemeClr val="accent6">
+        <a:tint val="40000"/>
+        <a:alpha val="90000"/>
+      </a:schemeClr>
+    </dgm:linClrLst>
+    <dgm:effectClrLst/>
+    <dgm:txLinClrLst/>
+    <dgm:txFillClrLst meth="repeat">
+      <a:schemeClr val="dk1"/>
+    </dgm:txFillClrLst>
+    <dgm:txEffectClrLst/>
+  </dgm:styleLbl>
+  <dgm:styleLbl name="fgAcc0">
+    <dgm:fillClrLst meth="repeat">
+      <a:schemeClr val="lt1">
+        <a:alpha val="90000"/>
+      </a:schemeClr>
+    </dgm:fillClrLst>
+    <dgm:linClrLst>
+      <a:schemeClr val="accent1"/>
+    </dgm:linClrLst>
+    <dgm:effectClrLst/>
+    <dgm:txLinClrLst/>
+    <dgm:txFillClrLst meth="repeat">
+      <a:schemeClr val="dk1"/>
+    </dgm:txFillClrLst>
+    <dgm:txEffectClrLst/>
+  </dgm:styleLbl>
+  <dgm:styleLbl name="fgAcc2">
+    <dgm:fillClrLst meth="repeat">
+      <a:schemeClr val="lt1">
+        <a:alpha val="90000"/>
+      </a:schemeClr>
+    </dgm:fillClrLst>
+    <dgm:linClrLst>
+      <a:schemeClr val="accent2"/>
+    </dgm:linClrLst>
+    <dgm:effectClrLst/>
+    <dgm:txLinClrLst/>
+    <dgm:txFillClrLst meth="repeat">
+      <a:schemeClr val="dk1"/>
+    </dgm:txFillClrLst>
+    <dgm:txEffectClrLst/>
+  </dgm:styleLbl>
+  <dgm:styleLbl name="fgAcc3">
+    <dgm:fillClrLst meth="repeat">
+      <a:schemeClr val="lt1">
+        <a:alpha val="90000"/>
+      </a:schemeClr>
+    </dgm:fillClrLst>
+    <dgm:linClrLst>
+      <a:schemeClr val="accent3"/>
+    </dgm:linClrLst>
+    <dgm:effectClrLst/>
+    <dgm:txLinClrLst/>
+    <dgm:txFillClrLst meth="repeat">
+      <a:schemeClr val="dk1"/>
+    </dgm:txFillClrLst>
+    <dgm:txEffectClrLst/>
+  </dgm:styleLbl>
+  <dgm:styleLbl name="fgAcc4">
+    <dgm:fillClrLst meth="repeat">
+      <a:schemeClr val="lt1">
+        <a:alpha val="90000"/>
+      </a:schemeClr>
+    </dgm:fillClrLst>
+    <dgm:linClrLst>
+      <a:schemeClr val="accent4"/>
+    </dgm:linClrLst>
+    <dgm:effectClrLst/>
+    <dgm:txLinClrLst/>
+    <dgm:txFillClrLst meth="repeat">
+      <a:schemeClr val="dk1"/>
+    </dgm:txFillClrLst>
+    <dgm:txEffectClrLst/>
+  </dgm:styleLbl>
+  <dgm:styleLbl name="bgShp">
+    <dgm:fillClrLst meth="repeat">
+      <a:schemeClr val="bg1">
+        <a:lumMod val="95000"/>
       </a:schemeClr>
     </dgm:fillClrLst>
     <dgm:linClrLst meth="repeat">
@@ -2438,6 +3365,332 @@
     <dgm:cxn modelId="{009CBC9D-3443-440B-9DDA-C934DFDDDA3C}" type="presParOf" srcId="{B49B24F4-6E12-4317-B3B7-84A5AFAA778C}" destId="{2DBF76BB-C2A2-43D3-88DA-131DEF4E6CA8}" srcOrd="5" destOrd="0" presId="urn:microsoft.com/office/officeart/2005/8/layout/vList5"/>
     <dgm:cxn modelId="{7983978C-B8D3-4F79-993F-2F7DE3694B21}" type="presParOf" srcId="{B49B24F4-6E12-4317-B3B7-84A5AFAA778C}" destId="{D8A0260B-08E3-4E36-B4FC-40B68FC6601A}" srcOrd="6" destOrd="0" presId="urn:microsoft.com/office/officeart/2005/8/layout/vList5"/>
     <dgm:cxn modelId="{0F5D2105-DA66-494C-893C-537DE476010D}" type="presParOf" srcId="{D8A0260B-08E3-4E36-B4FC-40B68FC6601A}" destId="{AAAB80CA-862D-45A1-A77C-3DAA16149F55}" srcOrd="0" destOrd="0" presId="urn:microsoft.com/office/officeart/2005/8/layout/vList5"/>
+  </dgm:cxnLst>
+  <dgm:bg/>
+  <dgm:whole/>
+  <dgm:extLst>
+    <a:ext uri="http://schemas.microsoft.com/office/drawing/2008/diagram">
+      <dsp:dataModelExt xmlns:dsp="http://schemas.microsoft.com/office/drawing/2008/diagram" relId="rId6" minVer="http://schemas.openxmlformats.org/drawingml/2006/diagram"/>
+    </a:ext>
+  </dgm:extLst>
+</dgm:dataModel>
+</file>
+
+<file path=ppt/diagrams/data3.xml><?xml version="1.0" encoding="utf-8"?>
+<dgm:dataModel xmlns:dgm="http://schemas.openxmlformats.org/drawingml/2006/diagram" xmlns:a="http://schemas.openxmlformats.org/drawingml/2006/main">
+  <dgm:ptLst>
+    <dgm:pt modelId="{2578C542-8352-4E6C-911F-753CACEF2AE9}" type="doc">
+      <dgm:prSet loTypeId="urn:microsoft.com/office/officeart/2018/5/layout/CenteredIconLabelDescriptionList" loCatId="icon" qsTypeId="urn:microsoft.com/office/officeart/2005/8/quickstyle/simple1" qsCatId="simple" csTypeId="urn:microsoft.com/office/officeart/2018/5/colors/Iconchunking_neutralbg_colorful1" csCatId="colorful" phldr="1"/>
+      <dgm:spPr/>
+      <dgm:t>
+        <a:bodyPr/>
+        <a:lstStyle/>
+        <a:p>
+          <a:endParaRPr lang="en-US"/>
+        </a:p>
+      </dgm:t>
+    </dgm:pt>
+    <dgm:pt modelId="{72DB5F35-4BA0-4717-8955-ADF72E8A43CC}">
+      <dgm:prSet/>
+      <dgm:spPr/>
+      <dgm:t>
+        <a:bodyPr/>
+        <a:lstStyle/>
+        <a:p>
+          <a:pPr>
+            <a:defRPr b="1"/>
+          </a:pPr>
+          <a:r>
+            <a:rPr lang="en-GB"/>
+            <a:t>Lack of MFA</a:t>
+          </a:r>
+          <a:endParaRPr lang="en-US"/>
+        </a:p>
+      </dgm:t>
+    </dgm:pt>
+    <dgm:pt modelId="{43385E6C-1243-4BF6-8018-A0F5CBC9A0AD}" type="parTrans" cxnId="{2522C260-E08E-448D-8246-92AE7B1CF991}">
+      <dgm:prSet/>
+      <dgm:spPr/>
+      <dgm:t>
+        <a:bodyPr/>
+        <a:lstStyle/>
+        <a:p>
+          <a:endParaRPr lang="en-US"/>
+        </a:p>
+      </dgm:t>
+    </dgm:pt>
+    <dgm:pt modelId="{B6BA5265-86BF-466A-B100-F112BAF6B48A}" type="sibTrans" cxnId="{2522C260-E08E-448D-8246-92AE7B1CF991}">
+      <dgm:prSet/>
+      <dgm:spPr/>
+      <dgm:t>
+        <a:bodyPr/>
+        <a:lstStyle/>
+        <a:p>
+          <a:endParaRPr lang="en-US"/>
+        </a:p>
+      </dgm:t>
+    </dgm:pt>
+    <dgm:pt modelId="{2204904C-A093-457E-93AF-E428BAF7D749}">
+      <dgm:prSet/>
+      <dgm:spPr/>
+      <dgm:t>
+        <a:bodyPr/>
+        <a:lstStyle/>
+        <a:p>
+          <a:r>
+            <a:rPr lang="en-GB" dirty="0"/>
+            <a:t>System does not verify who makes changes leading to unverified user having access when its public</a:t>
+          </a:r>
+          <a:endParaRPr lang="en-US" dirty="0"/>
+        </a:p>
+      </dgm:t>
+    </dgm:pt>
+    <dgm:pt modelId="{2580AA22-E30C-487E-BAC4-9AD741B2EF4F}" type="parTrans" cxnId="{795EB9E6-9312-4BEB-8915-C2F2FEB1A094}">
+      <dgm:prSet/>
+      <dgm:spPr/>
+      <dgm:t>
+        <a:bodyPr/>
+        <a:lstStyle/>
+        <a:p>
+          <a:endParaRPr lang="en-US"/>
+        </a:p>
+      </dgm:t>
+    </dgm:pt>
+    <dgm:pt modelId="{3AECABD8-4B83-4D53-BF1C-35BE4815CA7C}" type="sibTrans" cxnId="{795EB9E6-9312-4BEB-8915-C2F2FEB1A094}">
+      <dgm:prSet/>
+      <dgm:spPr/>
+      <dgm:t>
+        <a:bodyPr/>
+        <a:lstStyle/>
+        <a:p>
+          <a:endParaRPr lang="en-US"/>
+        </a:p>
+      </dgm:t>
+    </dgm:pt>
+    <dgm:pt modelId="{69AEC2C1-2BAC-43A8-B2A4-26A2A762AB12}">
+      <dgm:prSet/>
+      <dgm:spPr/>
+      <dgm:t>
+        <a:bodyPr/>
+        <a:lstStyle/>
+        <a:p>
+          <a:pPr>
+            <a:defRPr b="1"/>
+          </a:pPr>
+          <a:r>
+            <a:rPr lang="en-GB"/>
+            <a:t>User BSTOL OS</a:t>
+          </a:r>
+          <a:endParaRPr lang="en-US"/>
+        </a:p>
+      </dgm:t>
+    </dgm:pt>
+    <dgm:pt modelId="{C90E93E4-F0D9-4CED-8F9C-829DD482EBB9}" type="parTrans" cxnId="{F18B272B-7717-4AA6-87AC-A0B8BDCD3C49}">
+      <dgm:prSet/>
+      <dgm:spPr/>
+      <dgm:t>
+        <a:bodyPr/>
+        <a:lstStyle/>
+        <a:p>
+          <a:endParaRPr lang="en-US"/>
+        </a:p>
+      </dgm:t>
+    </dgm:pt>
+    <dgm:pt modelId="{491DA7AB-0A30-4AC8-8E26-82B7F64ADEED}" type="sibTrans" cxnId="{F18B272B-7717-4AA6-87AC-A0B8BDCD3C49}">
+      <dgm:prSet/>
+      <dgm:spPr/>
+      <dgm:t>
+        <a:bodyPr/>
+        <a:lstStyle/>
+        <a:p>
+          <a:endParaRPr lang="en-US"/>
+        </a:p>
+      </dgm:t>
+    </dgm:pt>
+    <dgm:pt modelId="{7A4EDA4A-D6FA-4F27-9363-3E9A6C92798B}">
+      <dgm:prSet/>
+      <dgm:spPr/>
+      <dgm:t>
+        <a:bodyPr/>
+        <a:lstStyle/>
+        <a:p>
+          <a:r>
+            <a:rPr lang="en-GB"/>
+            <a:t>Possibly not providing correct log syntax leading to alerts not activating.</a:t>
+          </a:r>
+          <a:endParaRPr lang="en-US"/>
+        </a:p>
+      </dgm:t>
+    </dgm:pt>
+    <dgm:pt modelId="{8396D821-B63C-4302-B22C-D05FB7E9101C}" type="parTrans" cxnId="{8E838F22-00AC-4FBA-977D-9F7A6F6FD075}">
+      <dgm:prSet/>
+      <dgm:spPr/>
+      <dgm:t>
+        <a:bodyPr/>
+        <a:lstStyle/>
+        <a:p>
+          <a:endParaRPr lang="en-US"/>
+        </a:p>
+      </dgm:t>
+    </dgm:pt>
+    <dgm:pt modelId="{59C4340B-8DB5-4A56-BB1C-8207D281D735}" type="sibTrans" cxnId="{8E838F22-00AC-4FBA-977D-9F7A6F6FD075}">
+      <dgm:prSet/>
+      <dgm:spPr/>
+      <dgm:t>
+        <a:bodyPr/>
+        <a:lstStyle/>
+        <a:p>
+          <a:endParaRPr lang="en-US"/>
+        </a:p>
+      </dgm:t>
+    </dgm:pt>
+    <dgm:pt modelId="{78AF407D-6FA5-4BAB-87DF-7A11E0F0B3DD}" type="pres">
+      <dgm:prSet presAssocID="{2578C542-8352-4E6C-911F-753CACEF2AE9}" presName="root" presStyleCnt="0">
+        <dgm:presLayoutVars>
+          <dgm:dir/>
+          <dgm:resizeHandles val="exact"/>
+        </dgm:presLayoutVars>
+      </dgm:prSet>
+      <dgm:spPr/>
+    </dgm:pt>
+    <dgm:pt modelId="{C9863929-5D03-4C99-B6F4-B22DC2B07795}" type="pres">
+      <dgm:prSet presAssocID="{72DB5F35-4BA0-4717-8955-ADF72E8A43CC}" presName="compNode" presStyleCnt="0"/>
+      <dgm:spPr/>
+    </dgm:pt>
+    <dgm:pt modelId="{41A62BD8-7C38-4014-8A16-7BB654462485}" type="pres">
+      <dgm:prSet presAssocID="{72DB5F35-4BA0-4717-8955-ADF72E8A43CC}" presName="iconRect" presStyleLbl="node1" presStyleIdx="0" presStyleCnt="2"/>
+      <dgm:spPr>
+        <a:blipFill>
+          <a:blip xmlns:r="http://schemas.openxmlformats.org/officeDocument/2006/relationships" r:embed="rId1">
+            <a:extLst>
+              <a:ext uri="{28A0092B-C50C-407E-A947-70E740481C1C}">
+                <a14:useLocalDpi xmlns:a14="http://schemas.microsoft.com/office/drawing/2010/main" val="0"/>
+              </a:ext>
+              <a:ext uri="{96DAC541-7B7A-43D3-8B79-37D633B846F1}">
+                <asvg:svgBlip xmlns:asvg="http://schemas.microsoft.com/office/drawing/2016/SVG/main" r:embed="rId2"/>
+              </a:ext>
+            </a:extLst>
+          </a:blip>
+          <a:stretch>
+            <a:fillRect/>
+          </a:stretch>
+        </a:blipFill>
+        <a:ln>
+          <a:noFill/>
+        </a:ln>
+      </dgm:spPr>
+      <dgm:extLst>
+        <a:ext uri="{E40237B7-FDA0-4F09-8148-C483321AD2D9}">
+          <dgm14:cNvPr xmlns:dgm14="http://schemas.microsoft.com/office/drawing/2010/diagram" id="0" name="" descr="Lock"/>
+        </a:ext>
+      </dgm:extLst>
+    </dgm:pt>
+    <dgm:pt modelId="{D43D6544-21D9-4FD4-9BCD-7895D7E279D5}" type="pres">
+      <dgm:prSet presAssocID="{72DB5F35-4BA0-4717-8955-ADF72E8A43CC}" presName="iconSpace" presStyleCnt="0"/>
+      <dgm:spPr/>
+    </dgm:pt>
+    <dgm:pt modelId="{FE349E88-92F6-40A3-82E9-840979FEFB71}" type="pres">
+      <dgm:prSet presAssocID="{72DB5F35-4BA0-4717-8955-ADF72E8A43CC}" presName="parTx" presStyleLbl="revTx" presStyleIdx="0" presStyleCnt="4">
+        <dgm:presLayoutVars>
+          <dgm:chMax val="0"/>
+          <dgm:chPref val="0"/>
+        </dgm:presLayoutVars>
+      </dgm:prSet>
+      <dgm:spPr/>
+    </dgm:pt>
+    <dgm:pt modelId="{6D4C5A77-A31D-4581-B4F3-94D8AA65B81D}" type="pres">
+      <dgm:prSet presAssocID="{72DB5F35-4BA0-4717-8955-ADF72E8A43CC}" presName="txSpace" presStyleCnt="0"/>
+      <dgm:spPr/>
+    </dgm:pt>
+    <dgm:pt modelId="{93716403-DB55-404C-A934-EABC31DBC4F5}" type="pres">
+      <dgm:prSet presAssocID="{72DB5F35-4BA0-4717-8955-ADF72E8A43CC}" presName="desTx" presStyleLbl="revTx" presStyleIdx="1" presStyleCnt="4">
+        <dgm:presLayoutVars/>
+      </dgm:prSet>
+      <dgm:spPr/>
+    </dgm:pt>
+    <dgm:pt modelId="{850215DB-686B-4546-B036-1A90BCBD30C2}" type="pres">
+      <dgm:prSet presAssocID="{B6BA5265-86BF-466A-B100-F112BAF6B48A}" presName="sibTrans" presStyleCnt="0"/>
+      <dgm:spPr/>
+    </dgm:pt>
+    <dgm:pt modelId="{54FA140B-4E23-4552-B51B-B061ED3E6EF8}" type="pres">
+      <dgm:prSet presAssocID="{69AEC2C1-2BAC-43A8-B2A4-26A2A762AB12}" presName="compNode" presStyleCnt="0"/>
+      <dgm:spPr/>
+    </dgm:pt>
+    <dgm:pt modelId="{E4F2972B-3EFF-4E69-AADA-E337B9DF0056}" type="pres">
+      <dgm:prSet presAssocID="{69AEC2C1-2BAC-43A8-B2A4-26A2A762AB12}" presName="iconRect" presStyleLbl="node1" presStyleIdx="1" presStyleCnt="2"/>
+      <dgm:spPr>
+        <a:blipFill>
+          <a:blip xmlns:r="http://schemas.openxmlformats.org/officeDocument/2006/relationships" r:embed="rId3">
+            <a:extLst>
+              <a:ext uri="{28A0092B-C50C-407E-A947-70E740481C1C}">
+                <a14:useLocalDpi xmlns:a14="http://schemas.microsoft.com/office/drawing/2010/main" val="0"/>
+              </a:ext>
+              <a:ext uri="{96DAC541-7B7A-43D3-8B79-37D633B846F1}">
+                <asvg:svgBlip xmlns:asvg="http://schemas.microsoft.com/office/drawing/2016/SVG/main" r:embed="rId4"/>
+              </a:ext>
+            </a:extLst>
+          </a:blip>
+          <a:stretch>
+            <a:fillRect/>
+          </a:stretch>
+        </a:blipFill>
+        <a:ln>
+          <a:noFill/>
+        </a:ln>
+      </dgm:spPr>
+      <dgm:extLst>
+        <a:ext uri="{E40237B7-FDA0-4F09-8148-C483321AD2D9}">
+          <dgm14:cNvPr xmlns:dgm14="http://schemas.microsoft.com/office/drawing/2010/diagram" id="0" name="" descr="Warning"/>
+        </a:ext>
+      </dgm:extLst>
+    </dgm:pt>
+    <dgm:pt modelId="{96CA035E-DB96-4FF4-ADE9-C858A2FE87A2}" type="pres">
+      <dgm:prSet presAssocID="{69AEC2C1-2BAC-43A8-B2A4-26A2A762AB12}" presName="iconSpace" presStyleCnt="0"/>
+      <dgm:spPr/>
+    </dgm:pt>
+    <dgm:pt modelId="{E6DB1A1F-D30D-4101-A01C-78964F68473B}" type="pres">
+      <dgm:prSet presAssocID="{69AEC2C1-2BAC-43A8-B2A4-26A2A762AB12}" presName="parTx" presStyleLbl="revTx" presStyleIdx="2" presStyleCnt="4">
+        <dgm:presLayoutVars>
+          <dgm:chMax val="0"/>
+          <dgm:chPref val="0"/>
+        </dgm:presLayoutVars>
+      </dgm:prSet>
+      <dgm:spPr/>
+    </dgm:pt>
+    <dgm:pt modelId="{931CB76D-B996-4841-9E5E-078DBC1036D9}" type="pres">
+      <dgm:prSet presAssocID="{69AEC2C1-2BAC-43A8-B2A4-26A2A762AB12}" presName="txSpace" presStyleCnt="0"/>
+      <dgm:spPr/>
+    </dgm:pt>
+    <dgm:pt modelId="{4031D447-151D-4098-B911-FCE45AA0662E}" type="pres">
+      <dgm:prSet presAssocID="{69AEC2C1-2BAC-43A8-B2A4-26A2A762AB12}" presName="desTx" presStyleLbl="revTx" presStyleIdx="3" presStyleCnt="4">
+        <dgm:presLayoutVars/>
+      </dgm:prSet>
+      <dgm:spPr/>
+    </dgm:pt>
+  </dgm:ptLst>
+  <dgm:cxnLst>
+    <dgm:cxn modelId="{A66B2910-B3D3-4116-83A4-6DD09C20736A}" type="presOf" srcId="{2578C542-8352-4E6C-911F-753CACEF2AE9}" destId="{78AF407D-6FA5-4BAB-87DF-7A11E0F0B3DD}" srcOrd="0" destOrd="0" presId="urn:microsoft.com/office/officeart/2018/5/layout/CenteredIconLabelDescriptionList"/>
+    <dgm:cxn modelId="{8E838F22-00AC-4FBA-977D-9F7A6F6FD075}" srcId="{69AEC2C1-2BAC-43A8-B2A4-26A2A762AB12}" destId="{7A4EDA4A-D6FA-4F27-9363-3E9A6C92798B}" srcOrd="0" destOrd="0" parTransId="{8396D821-B63C-4302-B22C-D05FB7E9101C}" sibTransId="{59C4340B-8DB5-4A56-BB1C-8207D281D735}"/>
+    <dgm:cxn modelId="{F623AF26-8A9D-483B-9B41-6F86112953AC}" type="presOf" srcId="{7A4EDA4A-D6FA-4F27-9363-3E9A6C92798B}" destId="{4031D447-151D-4098-B911-FCE45AA0662E}" srcOrd="0" destOrd="0" presId="urn:microsoft.com/office/officeart/2018/5/layout/CenteredIconLabelDescriptionList"/>
+    <dgm:cxn modelId="{F18B272B-7717-4AA6-87AC-A0B8BDCD3C49}" srcId="{2578C542-8352-4E6C-911F-753CACEF2AE9}" destId="{69AEC2C1-2BAC-43A8-B2A4-26A2A762AB12}" srcOrd="1" destOrd="0" parTransId="{C90E93E4-F0D9-4CED-8F9C-829DD482EBB9}" sibTransId="{491DA7AB-0A30-4AC8-8E26-82B7F64ADEED}"/>
+    <dgm:cxn modelId="{2522C260-E08E-448D-8246-92AE7B1CF991}" srcId="{2578C542-8352-4E6C-911F-753CACEF2AE9}" destId="{72DB5F35-4BA0-4717-8955-ADF72E8A43CC}" srcOrd="0" destOrd="0" parTransId="{43385E6C-1243-4BF6-8018-A0F5CBC9A0AD}" sibTransId="{B6BA5265-86BF-466A-B100-F112BAF6B48A}"/>
+    <dgm:cxn modelId="{F64CC879-EFF1-4E70-B0D0-3281507BA442}" type="presOf" srcId="{72DB5F35-4BA0-4717-8955-ADF72E8A43CC}" destId="{FE349E88-92F6-40A3-82E9-840979FEFB71}" srcOrd="0" destOrd="0" presId="urn:microsoft.com/office/officeart/2018/5/layout/CenteredIconLabelDescriptionList"/>
+    <dgm:cxn modelId="{795FF0B7-F012-4F51-8245-EB11910A33B9}" type="presOf" srcId="{69AEC2C1-2BAC-43A8-B2A4-26A2A762AB12}" destId="{E6DB1A1F-D30D-4101-A01C-78964F68473B}" srcOrd="0" destOrd="0" presId="urn:microsoft.com/office/officeart/2018/5/layout/CenteredIconLabelDescriptionList"/>
+    <dgm:cxn modelId="{EE8813DF-27E6-4599-83BF-677335370CBE}" type="presOf" srcId="{2204904C-A093-457E-93AF-E428BAF7D749}" destId="{93716403-DB55-404C-A934-EABC31DBC4F5}" srcOrd="0" destOrd="0" presId="urn:microsoft.com/office/officeart/2018/5/layout/CenteredIconLabelDescriptionList"/>
+    <dgm:cxn modelId="{795EB9E6-9312-4BEB-8915-C2F2FEB1A094}" srcId="{72DB5F35-4BA0-4717-8955-ADF72E8A43CC}" destId="{2204904C-A093-457E-93AF-E428BAF7D749}" srcOrd="0" destOrd="0" parTransId="{2580AA22-E30C-487E-BAC4-9AD741B2EF4F}" sibTransId="{3AECABD8-4B83-4D53-BF1C-35BE4815CA7C}"/>
+    <dgm:cxn modelId="{77AF75E1-3AED-42BC-B683-3BED377CF0BE}" type="presParOf" srcId="{78AF407D-6FA5-4BAB-87DF-7A11E0F0B3DD}" destId="{C9863929-5D03-4C99-B6F4-B22DC2B07795}" srcOrd="0" destOrd="0" presId="urn:microsoft.com/office/officeart/2018/5/layout/CenteredIconLabelDescriptionList"/>
+    <dgm:cxn modelId="{8B63D282-E591-459C-A1F9-0AE1AAEFAA5D}" type="presParOf" srcId="{C9863929-5D03-4C99-B6F4-B22DC2B07795}" destId="{41A62BD8-7C38-4014-8A16-7BB654462485}" srcOrd="0" destOrd="0" presId="urn:microsoft.com/office/officeart/2018/5/layout/CenteredIconLabelDescriptionList"/>
+    <dgm:cxn modelId="{CC49571F-E505-4FC7-BE6F-063C571D86B0}" type="presParOf" srcId="{C9863929-5D03-4C99-B6F4-B22DC2B07795}" destId="{D43D6544-21D9-4FD4-9BCD-7895D7E279D5}" srcOrd="1" destOrd="0" presId="urn:microsoft.com/office/officeart/2018/5/layout/CenteredIconLabelDescriptionList"/>
+    <dgm:cxn modelId="{7B2C653C-3DA5-4F9F-86E5-03CA0A8F2900}" type="presParOf" srcId="{C9863929-5D03-4C99-B6F4-B22DC2B07795}" destId="{FE349E88-92F6-40A3-82E9-840979FEFB71}" srcOrd="2" destOrd="0" presId="urn:microsoft.com/office/officeart/2018/5/layout/CenteredIconLabelDescriptionList"/>
+    <dgm:cxn modelId="{620658AB-A41E-4773-B337-173200324526}" type="presParOf" srcId="{C9863929-5D03-4C99-B6F4-B22DC2B07795}" destId="{6D4C5A77-A31D-4581-B4F3-94D8AA65B81D}" srcOrd="3" destOrd="0" presId="urn:microsoft.com/office/officeart/2018/5/layout/CenteredIconLabelDescriptionList"/>
+    <dgm:cxn modelId="{3544E957-D8EE-47D1-A574-0CBDDE8DD5E6}" type="presParOf" srcId="{C9863929-5D03-4C99-B6F4-B22DC2B07795}" destId="{93716403-DB55-404C-A934-EABC31DBC4F5}" srcOrd="4" destOrd="0" presId="urn:microsoft.com/office/officeart/2018/5/layout/CenteredIconLabelDescriptionList"/>
+    <dgm:cxn modelId="{FA56DEE7-6304-4A79-B1BE-1365D3A3F5BB}" type="presParOf" srcId="{78AF407D-6FA5-4BAB-87DF-7A11E0F0B3DD}" destId="{850215DB-686B-4546-B036-1A90BCBD30C2}" srcOrd="1" destOrd="0" presId="urn:microsoft.com/office/officeart/2018/5/layout/CenteredIconLabelDescriptionList"/>
+    <dgm:cxn modelId="{1C2D2A1C-A304-42B2-A5B8-938FFA72D89D}" type="presParOf" srcId="{78AF407D-6FA5-4BAB-87DF-7A11E0F0B3DD}" destId="{54FA140B-4E23-4552-B51B-B061ED3E6EF8}" srcOrd="2" destOrd="0" presId="urn:microsoft.com/office/officeart/2018/5/layout/CenteredIconLabelDescriptionList"/>
+    <dgm:cxn modelId="{A00185BC-9BE6-45E0-9B08-015ACA22FB81}" type="presParOf" srcId="{54FA140B-4E23-4552-B51B-B061ED3E6EF8}" destId="{E4F2972B-3EFF-4E69-AADA-E337B9DF0056}" srcOrd="0" destOrd="0" presId="urn:microsoft.com/office/officeart/2018/5/layout/CenteredIconLabelDescriptionList"/>
+    <dgm:cxn modelId="{613A6350-C6AE-4B0E-9066-ADA4AEA6E2DE}" type="presParOf" srcId="{54FA140B-4E23-4552-B51B-B061ED3E6EF8}" destId="{96CA035E-DB96-4FF4-ADE9-C858A2FE87A2}" srcOrd="1" destOrd="0" presId="urn:microsoft.com/office/officeart/2018/5/layout/CenteredIconLabelDescriptionList"/>
+    <dgm:cxn modelId="{693D5C8A-7CC9-4C2B-86D5-8694D0D8CB85}" type="presParOf" srcId="{54FA140B-4E23-4552-B51B-B061ED3E6EF8}" destId="{E6DB1A1F-D30D-4101-A01C-78964F68473B}" srcOrd="2" destOrd="0" presId="urn:microsoft.com/office/officeart/2018/5/layout/CenteredIconLabelDescriptionList"/>
+    <dgm:cxn modelId="{768FCFFC-8E00-42D5-A505-C612E8A1082D}" type="presParOf" srcId="{54FA140B-4E23-4552-B51B-B061ED3E6EF8}" destId="{931CB76D-B996-4841-9E5E-078DBC1036D9}" srcOrd="3" destOrd="0" presId="urn:microsoft.com/office/officeart/2018/5/layout/CenteredIconLabelDescriptionList"/>
+    <dgm:cxn modelId="{05868530-61E7-40B0-81C7-FD2D67B3AFF8}" type="presParOf" srcId="{54FA140B-4E23-4552-B51B-B061ED3E6EF8}" destId="{4031D447-151D-4098-B911-FCE45AA0662E}" srcOrd="4" destOrd="0" presId="urn:microsoft.com/office/officeart/2018/5/layout/CenteredIconLabelDescriptionList"/>
   </dgm:cxnLst>
   <dgm:bg/>
   <dgm:whole/>
@@ -3166,6 +4419,364 @@
 </dsp:drawing>
 </file>
 
+<file path=ppt/diagrams/drawing3.xml><?xml version="1.0" encoding="utf-8"?>
+<dsp:drawing xmlns:dgm="http://schemas.openxmlformats.org/drawingml/2006/diagram" xmlns:dsp="http://schemas.microsoft.com/office/drawing/2008/diagram" xmlns:a="http://schemas.openxmlformats.org/drawingml/2006/main">
+  <dsp:spTree>
+    <dsp:nvGrpSpPr>
+      <dsp:cNvPr id="0" name=""/>
+      <dsp:cNvGrpSpPr/>
+    </dsp:nvGrpSpPr>
+    <dsp:grpSpPr/>
+    <dsp:sp modelId="{41A62BD8-7C38-4014-8A16-7BB654462485}">
+      <dsp:nvSpPr>
+        <dsp:cNvPr id="0" name=""/>
+        <dsp:cNvSpPr/>
+      </dsp:nvSpPr>
+      <dsp:spPr>
+        <a:xfrm>
+          <a:off x="2169914" y="557880"/>
+          <a:ext cx="1512000" cy="1512000"/>
+        </a:xfrm>
+        <a:prstGeom prst="rect">
+          <a:avLst/>
+        </a:prstGeom>
+        <a:blipFill>
+          <a:blip xmlns:r="http://schemas.openxmlformats.org/officeDocument/2006/relationships" r:embed="rId1">
+            <a:extLst>
+              <a:ext uri="{28A0092B-C50C-407E-A947-70E740481C1C}">
+                <a14:useLocalDpi xmlns:a14="http://schemas.microsoft.com/office/drawing/2010/main" val="0"/>
+              </a:ext>
+              <a:ext uri="{96DAC541-7B7A-43D3-8B79-37D633B846F1}">
+                <asvg:svgBlip xmlns:asvg="http://schemas.microsoft.com/office/drawing/2016/SVG/main" r:embed="rId2"/>
+              </a:ext>
+            </a:extLst>
+          </a:blip>
+          <a:stretch>
+            <a:fillRect/>
+          </a:stretch>
+        </a:blipFill>
+        <a:ln w="19050" cap="flat" cmpd="sng" algn="ctr">
+          <a:noFill/>
+          <a:prstDash val="solid"/>
+          <a:miter lim="800000"/>
+        </a:ln>
+        <a:effectLst/>
+      </dsp:spPr>
+      <dsp:style>
+        <a:lnRef idx="2">
+          <a:scrgbClr r="0" g="0" b="0"/>
+        </a:lnRef>
+        <a:fillRef idx="1">
+          <a:scrgbClr r="0" g="0" b="0"/>
+        </a:fillRef>
+        <a:effectRef idx="0">
+          <a:scrgbClr r="0" g="0" b="0"/>
+        </a:effectRef>
+        <a:fontRef idx="minor">
+          <a:schemeClr val="lt1"/>
+        </a:fontRef>
+      </dsp:style>
+    </dsp:sp>
+    <dsp:sp modelId="{FE349E88-92F6-40A3-82E9-840979FEFB71}">
+      <dsp:nvSpPr>
+        <dsp:cNvPr id="0" name=""/>
+        <dsp:cNvSpPr/>
+      </dsp:nvSpPr>
+      <dsp:spPr>
+        <a:xfrm>
+          <a:off x="765914" y="2202193"/>
+          <a:ext cx="4320000" cy="648000"/>
+        </a:xfrm>
+        <a:prstGeom prst="rect">
+          <a:avLst/>
+        </a:prstGeom>
+        <a:noFill/>
+        <a:ln>
+          <a:noFill/>
+        </a:ln>
+        <a:effectLst/>
+      </dsp:spPr>
+      <dsp:style>
+        <a:lnRef idx="0">
+          <a:scrgbClr r="0" g="0" b="0"/>
+        </a:lnRef>
+        <a:fillRef idx="0">
+          <a:scrgbClr r="0" g="0" b="0"/>
+        </a:fillRef>
+        <a:effectRef idx="0">
+          <a:scrgbClr r="0" g="0" b="0"/>
+        </a:effectRef>
+        <a:fontRef idx="minor"/>
+      </dsp:style>
+      <dsp:txBody>
+        <a:bodyPr spcFirstLastPara="0" vert="horz" wrap="square" lIns="0" tIns="0" rIns="0" bIns="0" numCol="1" spcCol="1270" anchor="t" anchorCtr="0">
+          <a:noAutofit/>
+        </a:bodyPr>
+        <a:lstStyle/>
+        <a:p>
+          <a:pPr marL="0" lvl="0" indent="0" algn="ctr" defTabSz="1600200">
+            <a:lnSpc>
+              <a:spcPct val="90000"/>
+            </a:lnSpc>
+            <a:spcBef>
+              <a:spcPct val="0"/>
+            </a:spcBef>
+            <a:spcAft>
+              <a:spcPct val="35000"/>
+            </a:spcAft>
+            <a:buNone/>
+            <a:defRPr b="1"/>
+          </a:pPr>
+          <a:r>
+            <a:rPr lang="en-GB" sz="3600" kern="1200"/>
+            <a:t>Lack of MFA</a:t>
+          </a:r>
+          <a:endParaRPr lang="en-US" sz="3600" kern="1200"/>
+        </a:p>
+      </dsp:txBody>
+      <dsp:txXfrm>
+        <a:off x="765914" y="2202193"/>
+        <a:ext cx="4320000" cy="648000"/>
+      </dsp:txXfrm>
+    </dsp:sp>
+    <dsp:sp modelId="{93716403-DB55-404C-A934-EABC31DBC4F5}">
+      <dsp:nvSpPr>
+        <dsp:cNvPr id="0" name=""/>
+        <dsp:cNvSpPr/>
+      </dsp:nvSpPr>
+      <dsp:spPr>
+        <a:xfrm>
+          <a:off x="765914" y="2911734"/>
+          <a:ext cx="4320000" cy="723190"/>
+        </a:xfrm>
+        <a:prstGeom prst="rect">
+          <a:avLst/>
+        </a:prstGeom>
+        <a:noFill/>
+        <a:ln>
+          <a:noFill/>
+        </a:ln>
+        <a:effectLst/>
+      </dsp:spPr>
+      <dsp:style>
+        <a:lnRef idx="0">
+          <a:scrgbClr r="0" g="0" b="0"/>
+        </a:lnRef>
+        <a:fillRef idx="0">
+          <a:scrgbClr r="0" g="0" b="0"/>
+        </a:fillRef>
+        <a:effectRef idx="0">
+          <a:scrgbClr r="0" g="0" b="0"/>
+        </a:effectRef>
+        <a:fontRef idx="minor"/>
+      </dsp:style>
+      <dsp:txBody>
+        <a:bodyPr spcFirstLastPara="0" vert="horz" wrap="square" lIns="0" tIns="0" rIns="0" bIns="0" numCol="1" spcCol="1270" anchor="t" anchorCtr="0">
+          <a:noAutofit/>
+        </a:bodyPr>
+        <a:lstStyle/>
+        <a:p>
+          <a:pPr marL="0" lvl="0" indent="0" algn="ctr" defTabSz="755650">
+            <a:lnSpc>
+              <a:spcPct val="90000"/>
+            </a:lnSpc>
+            <a:spcBef>
+              <a:spcPct val="0"/>
+            </a:spcBef>
+            <a:spcAft>
+              <a:spcPct val="35000"/>
+            </a:spcAft>
+            <a:buNone/>
+          </a:pPr>
+          <a:r>
+            <a:rPr lang="en-GB" sz="1700" kern="1200" dirty="0"/>
+            <a:t>System does not verify who makes changes leading to unverified user having access when its public</a:t>
+          </a:r>
+          <a:endParaRPr lang="en-US" sz="1700" kern="1200" dirty="0"/>
+        </a:p>
+      </dsp:txBody>
+      <dsp:txXfrm>
+        <a:off x="765914" y="2911734"/>
+        <a:ext cx="4320000" cy="723190"/>
+      </dsp:txXfrm>
+    </dsp:sp>
+    <dsp:sp modelId="{E4F2972B-3EFF-4E69-AADA-E337B9DF0056}">
+      <dsp:nvSpPr>
+        <dsp:cNvPr id="0" name=""/>
+        <dsp:cNvSpPr/>
+      </dsp:nvSpPr>
+      <dsp:spPr>
+        <a:xfrm>
+          <a:off x="7245914" y="557880"/>
+          <a:ext cx="1512000" cy="1512000"/>
+        </a:xfrm>
+        <a:prstGeom prst="rect">
+          <a:avLst/>
+        </a:prstGeom>
+        <a:blipFill>
+          <a:blip xmlns:r="http://schemas.openxmlformats.org/officeDocument/2006/relationships" r:embed="rId3">
+            <a:extLst>
+              <a:ext uri="{28A0092B-C50C-407E-A947-70E740481C1C}">
+                <a14:useLocalDpi xmlns:a14="http://schemas.microsoft.com/office/drawing/2010/main" val="0"/>
+              </a:ext>
+              <a:ext uri="{96DAC541-7B7A-43D3-8B79-37D633B846F1}">
+                <asvg:svgBlip xmlns:asvg="http://schemas.microsoft.com/office/drawing/2016/SVG/main" r:embed="rId4"/>
+              </a:ext>
+            </a:extLst>
+          </a:blip>
+          <a:stretch>
+            <a:fillRect/>
+          </a:stretch>
+        </a:blipFill>
+        <a:ln w="19050" cap="flat" cmpd="sng" algn="ctr">
+          <a:noFill/>
+          <a:prstDash val="solid"/>
+          <a:miter lim="800000"/>
+        </a:ln>
+        <a:effectLst/>
+      </dsp:spPr>
+      <dsp:style>
+        <a:lnRef idx="2">
+          <a:scrgbClr r="0" g="0" b="0"/>
+        </a:lnRef>
+        <a:fillRef idx="1">
+          <a:scrgbClr r="0" g="0" b="0"/>
+        </a:fillRef>
+        <a:effectRef idx="0">
+          <a:scrgbClr r="0" g="0" b="0"/>
+        </a:effectRef>
+        <a:fontRef idx="minor">
+          <a:schemeClr val="lt1"/>
+        </a:fontRef>
+      </dsp:style>
+    </dsp:sp>
+    <dsp:sp modelId="{E6DB1A1F-D30D-4101-A01C-78964F68473B}">
+      <dsp:nvSpPr>
+        <dsp:cNvPr id="0" name=""/>
+        <dsp:cNvSpPr/>
+      </dsp:nvSpPr>
+      <dsp:spPr>
+        <a:xfrm>
+          <a:off x="5841914" y="2202193"/>
+          <a:ext cx="4320000" cy="648000"/>
+        </a:xfrm>
+        <a:prstGeom prst="rect">
+          <a:avLst/>
+        </a:prstGeom>
+        <a:noFill/>
+        <a:ln>
+          <a:noFill/>
+        </a:ln>
+        <a:effectLst/>
+      </dsp:spPr>
+      <dsp:style>
+        <a:lnRef idx="0">
+          <a:scrgbClr r="0" g="0" b="0"/>
+        </a:lnRef>
+        <a:fillRef idx="0">
+          <a:scrgbClr r="0" g="0" b="0"/>
+        </a:fillRef>
+        <a:effectRef idx="0">
+          <a:scrgbClr r="0" g="0" b="0"/>
+        </a:effectRef>
+        <a:fontRef idx="minor"/>
+      </dsp:style>
+      <dsp:txBody>
+        <a:bodyPr spcFirstLastPara="0" vert="horz" wrap="square" lIns="0" tIns="0" rIns="0" bIns="0" numCol="1" spcCol="1270" anchor="t" anchorCtr="0">
+          <a:noAutofit/>
+        </a:bodyPr>
+        <a:lstStyle/>
+        <a:p>
+          <a:pPr marL="0" lvl="0" indent="0" algn="ctr" defTabSz="1600200">
+            <a:lnSpc>
+              <a:spcPct val="90000"/>
+            </a:lnSpc>
+            <a:spcBef>
+              <a:spcPct val="0"/>
+            </a:spcBef>
+            <a:spcAft>
+              <a:spcPct val="35000"/>
+            </a:spcAft>
+            <a:buNone/>
+            <a:defRPr b="1"/>
+          </a:pPr>
+          <a:r>
+            <a:rPr lang="en-GB" sz="3600" kern="1200"/>
+            <a:t>User BSTOL OS</a:t>
+          </a:r>
+          <a:endParaRPr lang="en-US" sz="3600" kern="1200"/>
+        </a:p>
+      </dsp:txBody>
+      <dsp:txXfrm>
+        <a:off x="5841914" y="2202193"/>
+        <a:ext cx="4320000" cy="648000"/>
+      </dsp:txXfrm>
+    </dsp:sp>
+    <dsp:sp modelId="{4031D447-151D-4098-B911-FCE45AA0662E}">
+      <dsp:nvSpPr>
+        <dsp:cNvPr id="0" name=""/>
+        <dsp:cNvSpPr/>
+      </dsp:nvSpPr>
+      <dsp:spPr>
+        <a:xfrm>
+          <a:off x="5841914" y="2911734"/>
+          <a:ext cx="4320000" cy="723190"/>
+        </a:xfrm>
+        <a:prstGeom prst="rect">
+          <a:avLst/>
+        </a:prstGeom>
+        <a:noFill/>
+        <a:ln>
+          <a:noFill/>
+        </a:ln>
+        <a:effectLst/>
+      </dsp:spPr>
+      <dsp:style>
+        <a:lnRef idx="0">
+          <a:scrgbClr r="0" g="0" b="0"/>
+        </a:lnRef>
+        <a:fillRef idx="0">
+          <a:scrgbClr r="0" g="0" b="0"/>
+        </a:fillRef>
+        <a:effectRef idx="0">
+          <a:scrgbClr r="0" g="0" b="0"/>
+        </a:effectRef>
+        <a:fontRef idx="minor"/>
+      </dsp:style>
+      <dsp:txBody>
+        <a:bodyPr spcFirstLastPara="0" vert="horz" wrap="square" lIns="0" tIns="0" rIns="0" bIns="0" numCol="1" spcCol="1270" anchor="t" anchorCtr="0">
+          <a:noAutofit/>
+        </a:bodyPr>
+        <a:lstStyle/>
+        <a:p>
+          <a:pPr marL="0" lvl="0" indent="0" algn="ctr" defTabSz="755650">
+            <a:lnSpc>
+              <a:spcPct val="90000"/>
+            </a:lnSpc>
+            <a:spcBef>
+              <a:spcPct val="0"/>
+            </a:spcBef>
+            <a:spcAft>
+              <a:spcPct val="35000"/>
+            </a:spcAft>
+            <a:buNone/>
+          </a:pPr>
+          <a:r>
+            <a:rPr lang="en-GB" sz="1700" kern="1200"/>
+            <a:t>Possibly not providing correct log syntax leading to alerts not activating.</a:t>
+          </a:r>
+          <a:endParaRPr lang="en-US" sz="1700" kern="1200"/>
+        </a:p>
+      </dsp:txBody>
+      <dsp:txXfrm>
+        <a:off x="5841914" y="2911734"/>
+        <a:ext cx="4320000" cy="723190"/>
+      </dsp:txXfrm>
+    </dsp:sp>
+  </dsp:spTree>
+</dsp:drawing>
+</file>
+
 <file path=ppt/diagrams/layout1.xml><?xml version="1.0" encoding="utf-8"?>
 <dgm:layoutDef xmlns:dgm="http://schemas.openxmlformats.org/drawingml/2006/diagram" xmlns:a="http://schemas.openxmlformats.org/drawingml/2006/main" uniqueId="urn:microsoft.com/office/officeart/2005/8/layout/hList1">
   <dgm:title val=""/>
@@ -3616,6 +5227,207 @@
 </dgm:layoutDef>
 </file>
 
+<file path=ppt/diagrams/layout3.xml><?xml version="1.0" encoding="utf-8"?>
+<dgm:layoutDef xmlns:dgm="http://schemas.openxmlformats.org/drawingml/2006/diagram" xmlns:a="http://schemas.openxmlformats.org/drawingml/2006/main" uniqueId="urn:microsoft.com/office/officeart/2018/5/layout/CenteredIconLabelDescriptionList">
+  <dgm:title val="Centered Icon Label Description List"/>
+  <dgm:desc val="Use to show non-sequential or grouped chunks of information. The placeholder holds an icon or small picture, and corresponding text boxes show Level 1 and Level 2 text respectively. Works well for minimal Level 1 text accompanied by lengthier Level two text."/>
+  <dgm:catLst>
+    <dgm:cat type="icon" pri="500"/>
+  </dgm:catLst>
+  <dgm:sampData useDef="1">
+    <dgm:dataModel>
+      <dgm:ptLst/>
+      <dgm:bg/>
+      <dgm:whole/>
+    </dgm:dataModel>
+  </dgm:sampData>
+  <dgm:styleData useDef="1">
+    <dgm:dataModel>
+      <dgm:ptLst/>
+      <dgm:bg/>
+      <dgm:whole/>
+    </dgm:dataModel>
+  </dgm:styleData>
+  <dgm:clrData useDef="1">
+    <dgm:dataModel>
+      <dgm:ptLst/>
+      <dgm:bg/>
+      <dgm:whole/>
+    </dgm:dataModel>
+  </dgm:clrData>
+  <dgm:layoutNode name="root">
+    <dgm:varLst>
+      <dgm:dir/>
+      <dgm:resizeHandles val="exact"/>
+    </dgm:varLst>
+    <dgm:choose name="Name0">
+      <dgm:if name="Name1" axis="self" func="var" arg="dir" op="equ" val="norm">
+        <dgm:alg type="lin"/>
+      </dgm:if>
+      <dgm:else name="Name2">
+        <dgm:alg type="lin">
+          <dgm:param type="linDir" val="fromR"/>
+        </dgm:alg>
+      </dgm:else>
+    </dgm:choose>
+    <dgm:shape xmlns:r="http://schemas.openxmlformats.org/officeDocument/2006/relationships" r:blip="">
+      <dgm:adjLst/>
+    </dgm:shape>
+    <dgm:presOf/>
+    <dgm:constrLst>
+      <dgm:constr type="h" for="ch" forName="compNode" refType="h" fact="0.45"/>
+      <dgm:constr type="w" for="ch" forName="compNode" val="120"/>
+      <dgm:constr type="w" for="ch" forName="sibTrans" refType="w" refFor="ch" refForName="compNode" fact="0.175"/>
+      <dgm:constr type="primFontSz" for="des" forName="parTx" val="36"/>
+      <dgm:constr type="primFontSz" for="des" forName="desTx" refType="primFontSz" refFor="des" refForName="parTx" op="lte" fact="0.75"/>
+      <dgm:constr type="h" for="des" forName="compNode" op="equ"/>
+      <dgm:constr type="h" for="des" forName="iconRect" op="equ"/>
+      <dgm:constr type="w" for="des" forName="iconRect" op="equ"/>
+      <dgm:constr type="h" for="des" forName="iconSpace" op="equ"/>
+      <dgm:constr type="h" for="des" forName="parTx" op="equ"/>
+      <dgm:constr type="h" for="des" forName="txSpace" op="equ"/>
+      <dgm:constr type="h" for="des" forName="desTx" op="equ"/>
+    </dgm:constrLst>
+    <dgm:ruleLst>
+      <dgm:rule type="w" for="ch" forName="compNode" val="0" fact="NaN" max="NaN"/>
+    </dgm:ruleLst>
+    <dgm:forEach name="Name3" axis="ch" ptType="node">
+      <dgm:layoutNode name="compNode">
+        <dgm:alg type="composite"/>
+        <dgm:shape xmlns:r="http://schemas.openxmlformats.org/officeDocument/2006/relationships" r:blip="">
+          <dgm:adjLst/>
+        </dgm:shape>
+        <dgm:presOf axis="self"/>
+        <dgm:constrLst>
+          <dgm:constr type="w" for="ch" forName="iconRect" refType="w" fact="0.35"/>
+          <dgm:constr type="h" for="ch" forName="iconRect" refType="w" refFor="ch" refForName="iconRect"/>
+          <dgm:constr type="ctrX" for="ch" forName="iconRect" refType="w" fact="0.5"/>
+          <dgm:constr type="t" for="ch" forName="iconRect"/>
+          <dgm:constr type="w" for="ch" forName="iconSpace" refType="w"/>
+          <dgm:constr type="h" for="ch" forName="iconSpace" refType="h" fact="0.043"/>
+          <dgm:constr type="l" for="ch" forName="iconSpace"/>
+          <dgm:constr type="t" for="ch" forName="iconSpace" refType="b" refFor="ch" refForName="iconRect"/>
+          <dgm:constr type="w" for="ch" forName="parTx" refType="w"/>
+          <dgm:constr type="h" for="ch" forName="parTx" refType="w" fact="0.15"/>
+          <dgm:constr type="l" for="ch" forName="parTx"/>
+          <dgm:constr type="t" for="ch" forName="parTx" refType="b" refFor="ch" refForName="iconSpace"/>
+          <dgm:constr type="h" for="ch" forName="txSpace" refType="h" fact="0.02"/>
+          <dgm:constr type="w" for="ch" forName="txSpace" refType="w"/>
+          <dgm:constr type="l" for="ch" forName="txSpace"/>
+          <dgm:constr type="t" for="ch" forName="txSpace" refType="b" refFor="ch" refForName="parTx"/>
+          <dgm:constr type="w" for="ch" forName="desTx" refType="w"/>
+          <dgm:constr type="l" for="ch" forName="desTx"/>
+          <dgm:constr type="t" for="ch" forName="desTx" refType="b" refFor="ch" refForName="txSpace"/>
+        </dgm:constrLst>
+        <dgm:ruleLst>
+          <dgm:rule type="h" val="INF" fact="NaN" max="NaN"/>
+        </dgm:ruleLst>
+        <dgm:layoutNode name="iconRect" styleLbl="node1">
+          <dgm:alg type="sp"/>
+          <dgm:shape xmlns:r="http://schemas.openxmlformats.org/officeDocument/2006/relationships" type="rect" r:blip="" blipPhldr="1">
+            <dgm:adjLst/>
+          </dgm:shape>
+          <dgm:presOf/>
+          <dgm:constrLst/>
+          <dgm:ruleLst/>
+        </dgm:layoutNode>
+        <dgm:layoutNode name="iconSpace">
+          <dgm:alg type="sp"/>
+          <dgm:shape xmlns:r="http://schemas.openxmlformats.org/officeDocument/2006/relationships" r:blip="">
+            <dgm:adjLst/>
+          </dgm:shape>
+          <dgm:presOf/>
+          <dgm:constrLst/>
+          <dgm:ruleLst/>
+        </dgm:layoutNode>
+        <dgm:layoutNode name="parTx" styleLbl="revTx">
+          <dgm:varLst>
+            <dgm:chMax val="0"/>
+            <dgm:chPref val="0"/>
+          </dgm:varLst>
+          <dgm:alg type="tx">
+            <dgm:param type="txAnchorVert" val="t"/>
+          </dgm:alg>
+          <dgm:shape xmlns:r="http://schemas.openxmlformats.org/officeDocument/2006/relationships" type="rect" r:blip="">
+            <dgm:adjLst/>
+          </dgm:shape>
+          <dgm:presOf axis="self" ptType="node"/>
+          <dgm:constrLst>
+            <dgm:constr type="lMarg"/>
+            <dgm:constr type="rMarg"/>
+            <dgm:constr type="tMarg"/>
+            <dgm:constr type="bMarg"/>
+          </dgm:constrLst>
+          <dgm:ruleLst>
+            <dgm:rule type="primFontSz" val="14" fact="NaN" max="NaN"/>
+            <dgm:rule type="h" val="INF" fact="NaN" max="NaN"/>
+          </dgm:ruleLst>
+        </dgm:layoutNode>
+        <dgm:layoutNode name="txSpace">
+          <dgm:alg type="sp"/>
+          <dgm:shape xmlns:r="http://schemas.openxmlformats.org/officeDocument/2006/relationships" r:blip="">
+            <dgm:adjLst/>
+          </dgm:shape>
+          <dgm:presOf/>
+          <dgm:constrLst/>
+          <dgm:ruleLst/>
+        </dgm:layoutNode>
+        <dgm:layoutNode name="desTx" styleLbl="revTx">
+          <dgm:varLst/>
+          <dgm:alg type="tx">
+            <dgm:param type="stBulletLvl" val="0"/>
+            <dgm:param type="txAnchorVert" val="t"/>
+          </dgm:alg>
+          <dgm:shape xmlns:r="http://schemas.openxmlformats.org/officeDocument/2006/relationships" type="rect" r:blip="">
+            <dgm:adjLst/>
+          </dgm:shape>
+          <dgm:presOf axis="des" ptType="node"/>
+          <dgm:constrLst>
+            <dgm:constr type="secFontSz" refType="primFontSz"/>
+            <dgm:constr type="lMarg"/>
+            <dgm:constr type="rMarg"/>
+            <dgm:constr type="tMarg"/>
+            <dgm:constr type="bMarg"/>
+          </dgm:constrLst>
+          <dgm:ruleLst>
+            <dgm:rule type="primFontSz" val="NaN" fact="NaN" max="17"/>
+            <dgm:rule type="h" val="INF" fact="NaN" max="NaN"/>
+          </dgm:ruleLst>
+        </dgm:layoutNode>
+      </dgm:layoutNode>
+      <dgm:forEach name="Name4" axis="followSib" ptType="sibTrans" cnt="1">
+        <dgm:layoutNode name="sibTrans">
+          <dgm:alg type="sp"/>
+          <dgm:shape xmlns:r="http://schemas.openxmlformats.org/officeDocument/2006/relationships" r:blip="">
+            <dgm:adjLst/>
+          </dgm:shape>
+          <dgm:presOf axis="self"/>
+          <dgm:constrLst/>
+          <dgm:ruleLst/>
+        </dgm:layoutNode>
+      </dgm:forEach>
+    </dgm:forEach>
+  </dgm:layoutNode>
+  <dgm:extLst>
+    <a:ext uri="{68A01E43-0DF5-4B5B-8FA6-DAF915123BFB}">
+      <dgm1612:lstStyle xmlns:dgm1612="http://schemas.microsoft.com/office/drawing/2016/12/diagram">
+        <a:lvl1pPr>
+          <a:lnSpc>
+            <a:spcPct val="100000"/>
+          </a:lnSpc>
+          <a:defRPr b="1"/>
+        </a:lvl1pPr>
+        <a:lvl2pPr>
+          <a:lnSpc>
+            <a:spcPct val="100000"/>
+          </a:lnSpc>
+        </a:lvl2pPr>
+      </dgm1612:lstStyle>
+    </a:ext>
+  </dgm:extLst>
+</dgm:layoutDef>
+</file>
+
 <file path=ppt/diagrams/quickStyle1.xml><?xml version="1.0" encoding="utf-8"?>
 <dgm:styleDef xmlns:dgm="http://schemas.openxmlformats.org/drawingml/2006/diagram" xmlns:a="http://schemas.openxmlformats.org/drawingml/2006/main" uniqueId="urn:microsoft.com/office/officeart/2005/8/quickstyle/simple1">
   <dgm:title val=""/>
@@ -4651,6 +6463,1040 @@
 </file>
 
 <file path=ppt/diagrams/quickStyle2.xml><?xml version="1.0" encoding="utf-8"?>
+<dgm:styleDef xmlns:dgm="http://schemas.openxmlformats.org/drawingml/2006/diagram" xmlns:a="http://schemas.openxmlformats.org/drawingml/2006/main" uniqueId="urn:microsoft.com/office/officeart/2005/8/quickstyle/simple1">
+  <dgm:title val=""/>
+  <dgm:desc val=""/>
+  <dgm:catLst>
+    <dgm:cat type="simple" pri="10100"/>
+  </dgm:catLst>
+  <dgm:scene3d>
+    <a:camera prst="orthographicFront"/>
+    <a:lightRig rig="threePt" dir="t"/>
+  </dgm:scene3d>
+  <dgm:styleLbl name="node0">
+    <dgm:scene3d>
+      <a:camera prst="orthographicFront"/>
+      <a:lightRig rig="threePt" dir="t"/>
+    </dgm:scene3d>
+    <dgm:sp3d/>
+    <dgm:txPr/>
+    <dgm:style>
+      <a:lnRef idx="2">
+        <a:scrgbClr r="0" g="0" b="0"/>
+      </a:lnRef>
+      <a:fillRef idx="1">
+        <a:scrgbClr r="0" g="0" b="0"/>
+      </a:fillRef>
+      <a:effectRef idx="0">
+        <a:scrgbClr r="0" g="0" b="0"/>
+      </a:effectRef>
+      <a:fontRef idx="minor">
+        <a:schemeClr val="lt1"/>
+      </a:fontRef>
+    </dgm:style>
+  </dgm:styleLbl>
+  <dgm:styleLbl name="lnNode1">
+    <dgm:scene3d>
+      <a:camera prst="orthographicFront"/>
+      <a:lightRig rig="threePt" dir="t"/>
+    </dgm:scene3d>
+    <dgm:sp3d/>
+    <dgm:txPr/>
+    <dgm:style>
+      <a:lnRef idx="2">
+        <a:scrgbClr r="0" g="0" b="0"/>
+      </a:lnRef>
+      <a:fillRef idx="1">
+        <a:scrgbClr r="0" g="0" b="0"/>
+      </a:fillRef>
+      <a:effectRef idx="0">
+        <a:scrgbClr r="0" g="0" b="0"/>
+      </a:effectRef>
+      <a:fontRef idx="minor">
+        <a:schemeClr val="lt1"/>
+      </a:fontRef>
+    </dgm:style>
+  </dgm:styleLbl>
+  <dgm:styleLbl name="vennNode1">
+    <dgm:scene3d>
+      <a:camera prst="orthographicFront"/>
+      <a:lightRig rig="threePt" dir="t"/>
+    </dgm:scene3d>
+    <dgm:sp3d/>
+    <dgm:txPr/>
+    <dgm:style>
+      <a:lnRef idx="2">
+        <a:scrgbClr r="0" g="0" b="0"/>
+      </a:lnRef>
+      <a:fillRef idx="1">
+        <a:scrgbClr r="0" g="0" b="0"/>
+      </a:fillRef>
+      <a:effectRef idx="0">
+        <a:scrgbClr r="0" g="0" b="0"/>
+      </a:effectRef>
+      <a:fontRef idx="minor">
+        <a:schemeClr val="tx1"/>
+      </a:fontRef>
+    </dgm:style>
+  </dgm:styleLbl>
+  <dgm:styleLbl name="alignNode1">
+    <dgm:scene3d>
+      <a:camera prst="orthographicFront"/>
+      <a:lightRig rig="threePt" dir="t"/>
+    </dgm:scene3d>
+    <dgm:sp3d/>
+    <dgm:txPr/>
+    <dgm:style>
+      <a:lnRef idx="2">
+        <a:scrgbClr r="0" g="0" b="0"/>
+      </a:lnRef>
+      <a:fillRef idx="1">
+        <a:scrgbClr r="0" g="0" b="0"/>
+      </a:fillRef>
+      <a:effectRef idx="0">
+        <a:scrgbClr r="0" g="0" b="0"/>
+      </a:effectRef>
+      <a:fontRef idx="minor">
+        <a:schemeClr val="lt1"/>
+      </a:fontRef>
+    </dgm:style>
+  </dgm:styleLbl>
+  <dgm:styleLbl name="node1">
+    <dgm:scene3d>
+      <a:camera prst="orthographicFront"/>
+      <a:lightRig rig="threePt" dir="t"/>
+    </dgm:scene3d>
+    <dgm:sp3d/>
+    <dgm:txPr/>
+    <dgm:style>
+      <a:lnRef idx="2">
+        <a:scrgbClr r="0" g="0" b="0"/>
+      </a:lnRef>
+      <a:fillRef idx="1">
+        <a:scrgbClr r="0" g="0" b="0"/>
+      </a:fillRef>
+      <a:effectRef idx="0">
+        <a:scrgbClr r="0" g="0" b="0"/>
+      </a:effectRef>
+      <a:fontRef idx="minor">
+        <a:schemeClr val="lt1"/>
+      </a:fontRef>
+    </dgm:style>
+  </dgm:styleLbl>
+  <dgm:styleLbl name="node2">
+    <dgm:scene3d>
+      <a:camera prst="orthographicFront"/>
+      <a:lightRig rig="threePt" dir="t"/>
+    </dgm:scene3d>
+    <dgm:sp3d/>
+    <dgm:txPr/>
+    <dgm:style>
+      <a:lnRef idx="2">
+        <a:scrgbClr r="0" g="0" b="0"/>
+      </a:lnRef>
+      <a:fillRef idx="1">
+        <a:scrgbClr r="0" g="0" b="0"/>
+      </a:fillRef>
+      <a:effectRef idx="0">
+        <a:scrgbClr r="0" g="0" b="0"/>
+      </a:effectRef>
+      <a:fontRef idx="minor">
+        <a:schemeClr val="lt1"/>
+      </a:fontRef>
+    </dgm:style>
+  </dgm:styleLbl>
+  <dgm:styleLbl name="node3">
+    <dgm:scene3d>
+      <a:camera prst="orthographicFront"/>
+      <a:lightRig rig="threePt" dir="t"/>
+    </dgm:scene3d>
+    <dgm:sp3d/>
+    <dgm:txPr/>
+    <dgm:style>
+      <a:lnRef idx="2">
+        <a:scrgbClr r="0" g="0" b="0"/>
+      </a:lnRef>
+      <a:fillRef idx="1">
+        <a:scrgbClr r="0" g="0" b="0"/>
+      </a:fillRef>
+      <a:effectRef idx="0">
+        <a:scrgbClr r="0" g="0" b="0"/>
+      </a:effectRef>
+      <a:fontRef idx="minor">
+        <a:schemeClr val="lt1"/>
+      </a:fontRef>
+    </dgm:style>
+  </dgm:styleLbl>
+  <dgm:styleLbl name="node4">
+    <dgm:scene3d>
+      <a:camera prst="orthographicFront"/>
+      <a:lightRig rig="threePt" dir="t"/>
+    </dgm:scene3d>
+    <dgm:sp3d/>
+    <dgm:txPr/>
+    <dgm:style>
+      <a:lnRef idx="2">
+        <a:scrgbClr r="0" g="0" b="0"/>
+      </a:lnRef>
+      <a:fillRef idx="1">
+        <a:scrgbClr r="0" g="0" b="0"/>
+      </a:fillRef>
+      <a:effectRef idx="0">
+        <a:scrgbClr r="0" g="0" b="0"/>
+      </a:effectRef>
+      <a:fontRef idx="minor">
+        <a:schemeClr val="lt1"/>
+      </a:fontRef>
+    </dgm:style>
+  </dgm:styleLbl>
+  <dgm:styleLbl name="fgImgPlace1">
+    <dgm:scene3d>
+      <a:camera prst="orthographicFront"/>
+      <a:lightRig rig="threePt" dir="t"/>
+    </dgm:scene3d>
+    <dgm:sp3d/>
+    <dgm:txPr/>
+    <dgm:style>
+      <a:lnRef idx="2">
+        <a:scrgbClr r="0" g="0" b="0"/>
+      </a:lnRef>
+      <a:fillRef idx="1">
+        <a:scrgbClr r="0" g="0" b="0"/>
+      </a:fillRef>
+      <a:effectRef idx="0">
+        <a:scrgbClr r="0" g="0" b="0"/>
+      </a:effectRef>
+      <a:fontRef idx="minor"/>
+    </dgm:style>
+  </dgm:styleLbl>
+  <dgm:styleLbl name="alignImgPlace1">
+    <dgm:scene3d>
+      <a:camera prst="orthographicFront"/>
+      <a:lightRig rig="threePt" dir="t"/>
+    </dgm:scene3d>
+    <dgm:sp3d/>
+    <dgm:txPr/>
+    <dgm:style>
+      <a:lnRef idx="2">
+        <a:scrgbClr r="0" g="0" b="0"/>
+      </a:lnRef>
+      <a:fillRef idx="1">
+        <a:scrgbClr r="0" g="0" b="0"/>
+      </a:fillRef>
+      <a:effectRef idx="0">
+        <a:scrgbClr r="0" g="0" b="0"/>
+      </a:effectRef>
+      <a:fontRef idx="minor"/>
+    </dgm:style>
+  </dgm:styleLbl>
+  <dgm:styleLbl name="bgImgPlace1">
+    <dgm:scene3d>
+      <a:camera prst="orthographicFront"/>
+      <a:lightRig rig="threePt" dir="t"/>
+    </dgm:scene3d>
+    <dgm:sp3d/>
+    <dgm:txPr/>
+    <dgm:style>
+      <a:lnRef idx="2">
+        <a:scrgbClr r="0" g="0" b="0"/>
+      </a:lnRef>
+      <a:fillRef idx="1">
+        <a:scrgbClr r="0" g="0" b="0"/>
+      </a:fillRef>
+      <a:effectRef idx="0">
+        <a:scrgbClr r="0" g="0" b="0"/>
+      </a:effectRef>
+      <a:fontRef idx="minor"/>
+    </dgm:style>
+  </dgm:styleLbl>
+  <dgm:styleLbl name="sibTrans2D1">
+    <dgm:scene3d>
+      <a:camera prst="orthographicFront"/>
+      <a:lightRig rig="threePt" dir="t"/>
+    </dgm:scene3d>
+    <dgm:sp3d/>
+    <dgm:txPr/>
+    <dgm:style>
+      <a:lnRef idx="0">
+        <a:scrgbClr r="0" g="0" b="0"/>
+      </a:lnRef>
+      <a:fillRef idx="1">
+        <a:scrgbClr r="0" g="0" b="0"/>
+      </a:fillRef>
+      <a:effectRef idx="0">
+        <a:scrgbClr r="0" g="0" b="0"/>
+      </a:effectRef>
+      <a:fontRef idx="minor">
+        <a:schemeClr val="lt1"/>
+      </a:fontRef>
+    </dgm:style>
+  </dgm:styleLbl>
+  <dgm:styleLbl name="fgSibTrans2D1">
+    <dgm:scene3d>
+      <a:camera prst="orthographicFront"/>
+      <a:lightRig rig="threePt" dir="t"/>
+    </dgm:scene3d>
+    <dgm:sp3d/>
+    <dgm:txPr/>
+    <dgm:style>
+      <a:lnRef idx="0">
+        <a:scrgbClr r="0" g="0" b="0"/>
+      </a:lnRef>
+      <a:fillRef idx="1">
+        <a:scrgbClr r="0" g="0" b="0"/>
+      </a:fillRef>
+      <a:effectRef idx="0">
+        <a:scrgbClr r="0" g="0" b="0"/>
+      </a:effectRef>
+      <a:fontRef idx="minor">
+        <a:schemeClr val="lt1"/>
+      </a:fontRef>
+    </dgm:style>
+  </dgm:styleLbl>
+  <dgm:styleLbl name="bgSibTrans2D1">
+    <dgm:scene3d>
+      <a:camera prst="orthographicFront"/>
+      <a:lightRig rig="threePt" dir="t"/>
+    </dgm:scene3d>
+    <dgm:sp3d/>
+    <dgm:txPr/>
+    <dgm:style>
+      <a:lnRef idx="0">
+        <a:scrgbClr r="0" g="0" b="0"/>
+      </a:lnRef>
+      <a:fillRef idx="1">
+        <a:scrgbClr r="0" g="0" b="0"/>
+      </a:fillRef>
+      <a:effectRef idx="0">
+        <a:scrgbClr r="0" g="0" b="0"/>
+      </a:effectRef>
+      <a:fontRef idx="minor">
+        <a:schemeClr val="lt1"/>
+      </a:fontRef>
+    </dgm:style>
+  </dgm:styleLbl>
+  <dgm:styleLbl name="sibTrans1D1">
+    <dgm:scene3d>
+      <a:camera prst="orthographicFront"/>
+      <a:lightRig rig="threePt" dir="t"/>
+    </dgm:scene3d>
+    <dgm:sp3d/>
+    <dgm:txPr/>
+    <dgm:style>
+      <a:lnRef idx="1">
+        <a:scrgbClr r="0" g="0" b="0"/>
+      </a:lnRef>
+      <a:fillRef idx="0">
+        <a:scrgbClr r="0" g="0" b="0"/>
+      </a:fillRef>
+      <a:effectRef idx="0">
+        <a:scrgbClr r="0" g="0" b="0"/>
+      </a:effectRef>
+      <a:fontRef idx="minor"/>
+    </dgm:style>
+  </dgm:styleLbl>
+  <dgm:styleLbl name="callout">
+    <dgm:scene3d>
+      <a:camera prst="orthographicFront"/>
+      <a:lightRig rig="threePt" dir="t"/>
+    </dgm:scene3d>
+    <dgm:sp3d/>
+    <dgm:txPr/>
+    <dgm:style>
+      <a:lnRef idx="2">
+        <a:scrgbClr r="0" g="0" b="0"/>
+      </a:lnRef>
+      <a:fillRef idx="1">
+        <a:scrgbClr r="0" g="0" b="0"/>
+      </a:fillRef>
+      <a:effectRef idx="0">
+        <a:scrgbClr r="0" g="0" b="0"/>
+      </a:effectRef>
+      <a:fontRef idx="minor"/>
+    </dgm:style>
+  </dgm:styleLbl>
+  <dgm:styleLbl name="asst0">
+    <dgm:scene3d>
+      <a:camera prst="orthographicFront"/>
+      <a:lightRig rig="threePt" dir="t"/>
+    </dgm:scene3d>
+    <dgm:sp3d/>
+    <dgm:txPr/>
+    <dgm:style>
+      <a:lnRef idx="2">
+        <a:scrgbClr r="0" g="0" b="0"/>
+      </a:lnRef>
+      <a:fillRef idx="1">
+        <a:scrgbClr r="0" g="0" b="0"/>
+      </a:fillRef>
+      <a:effectRef idx="0">
+        <a:scrgbClr r="0" g="0" b="0"/>
+      </a:effectRef>
+      <a:fontRef idx="minor">
+        <a:schemeClr val="lt1"/>
+      </a:fontRef>
+    </dgm:style>
+  </dgm:styleLbl>
+  <dgm:styleLbl name="asst1">
+    <dgm:scene3d>
+      <a:camera prst="orthographicFront"/>
+      <a:lightRig rig="threePt" dir="t"/>
+    </dgm:scene3d>
+    <dgm:sp3d/>
+    <dgm:txPr/>
+    <dgm:style>
+      <a:lnRef idx="2">
+        <a:scrgbClr r="0" g="0" b="0"/>
+      </a:lnRef>
+      <a:fillRef idx="1">
+        <a:scrgbClr r="0" g="0" b="0"/>
+      </a:fillRef>
+      <a:effectRef idx="0">
+        <a:scrgbClr r="0" g="0" b="0"/>
+      </a:effectRef>
+      <a:fontRef idx="minor">
+        <a:schemeClr val="lt1"/>
+      </a:fontRef>
+    </dgm:style>
+  </dgm:styleLbl>
+  <dgm:styleLbl name="asst2">
+    <dgm:scene3d>
+      <a:camera prst="orthographicFront"/>
+      <a:lightRig rig="threePt" dir="t"/>
+    </dgm:scene3d>
+    <dgm:sp3d/>
+    <dgm:txPr/>
+    <dgm:style>
+      <a:lnRef idx="2">
+        <a:scrgbClr r="0" g="0" b="0"/>
+      </a:lnRef>
+      <a:fillRef idx="1">
+        <a:scrgbClr r="0" g="0" b="0"/>
+      </a:fillRef>
+      <a:effectRef idx="0">
+        <a:scrgbClr r="0" g="0" b="0"/>
+      </a:effectRef>
+      <a:fontRef idx="minor">
+        <a:schemeClr val="lt1"/>
+      </a:fontRef>
+    </dgm:style>
+  </dgm:styleLbl>
+  <dgm:styleLbl name="asst3">
+    <dgm:scene3d>
+      <a:camera prst="orthographicFront"/>
+      <a:lightRig rig="threePt" dir="t"/>
+    </dgm:scene3d>
+    <dgm:sp3d/>
+    <dgm:txPr/>
+    <dgm:style>
+      <a:lnRef idx="2">
+        <a:scrgbClr r="0" g="0" b="0"/>
+      </a:lnRef>
+      <a:fillRef idx="1">
+        <a:scrgbClr r="0" g="0" b="0"/>
+      </a:fillRef>
+      <a:effectRef idx="0">
+        <a:scrgbClr r="0" g="0" b="0"/>
+      </a:effectRef>
+      <a:fontRef idx="minor">
+        <a:schemeClr val="lt1"/>
+      </a:fontRef>
+    </dgm:style>
+  </dgm:styleLbl>
+  <dgm:styleLbl name="asst4">
+    <dgm:scene3d>
+      <a:camera prst="orthographicFront"/>
+      <a:lightRig rig="threePt" dir="t"/>
+    </dgm:scene3d>
+    <dgm:sp3d/>
+    <dgm:txPr/>
+    <dgm:style>
+      <a:lnRef idx="2">
+        <a:scrgbClr r="0" g="0" b="0"/>
+      </a:lnRef>
+      <a:fillRef idx="1">
+        <a:scrgbClr r="0" g="0" b="0"/>
+      </a:fillRef>
+      <a:effectRef idx="0">
+        <a:scrgbClr r="0" g="0" b="0"/>
+      </a:effectRef>
+      <a:fontRef idx="minor">
+        <a:schemeClr val="lt1"/>
+      </a:fontRef>
+    </dgm:style>
+  </dgm:styleLbl>
+  <dgm:styleLbl name="parChTrans2D1">
+    <dgm:scene3d>
+      <a:camera prst="orthographicFront"/>
+      <a:lightRig rig="threePt" dir="t"/>
+    </dgm:scene3d>
+    <dgm:sp3d/>
+    <dgm:txPr/>
+    <dgm:style>
+      <a:lnRef idx="2">
+        <a:scrgbClr r="0" g="0" b="0"/>
+      </a:lnRef>
+      <a:fillRef idx="1">
+        <a:scrgbClr r="0" g="0" b="0"/>
+      </a:fillRef>
+      <a:effectRef idx="0">
+        <a:scrgbClr r="0" g="0" b="0"/>
+      </a:effectRef>
+      <a:fontRef idx="minor">
+        <a:schemeClr val="lt1"/>
+      </a:fontRef>
+    </dgm:style>
+  </dgm:styleLbl>
+  <dgm:styleLbl name="parChTrans2D2">
+    <dgm:scene3d>
+      <a:camera prst="orthographicFront"/>
+      <a:lightRig rig="threePt" dir="t"/>
+    </dgm:scene3d>
+    <dgm:sp3d/>
+    <dgm:txPr/>
+    <dgm:style>
+      <a:lnRef idx="2">
+        <a:scrgbClr r="0" g="0" b="0"/>
+      </a:lnRef>
+      <a:fillRef idx="1">
+        <a:scrgbClr r="0" g="0" b="0"/>
+      </a:fillRef>
+      <a:effectRef idx="0">
+        <a:scrgbClr r="0" g="0" b="0"/>
+      </a:effectRef>
+      <a:fontRef idx="minor">
+        <a:schemeClr val="lt1"/>
+      </a:fontRef>
+    </dgm:style>
+  </dgm:styleLbl>
+  <dgm:styleLbl name="parChTrans2D3">
+    <dgm:scene3d>
+      <a:camera prst="orthographicFront"/>
+      <a:lightRig rig="threePt" dir="t"/>
+    </dgm:scene3d>
+    <dgm:sp3d/>
+    <dgm:txPr/>
+    <dgm:style>
+      <a:lnRef idx="2">
+        <a:scrgbClr r="0" g="0" b="0"/>
+      </a:lnRef>
+      <a:fillRef idx="1">
+        <a:scrgbClr r="0" g="0" b="0"/>
+      </a:fillRef>
+      <a:effectRef idx="0">
+        <a:scrgbClr r="0" g="0" b="0"/>
+      </a:effectRef>
+      <a:fontRef idx="minor">
+        <a:schemeClr val="lt1"/>
+      </a:fontRef>
+    </dgm:style>
+  </dgm:styleLbl>
+  <dgm:styleLbl name="parChTrans2D4">
+    <dgm:scene3d>
+      <a:camera prst="orthographicFront"/>
+      <a:lightRig rig="threePt" dir="t"/>
+    </dgm:scene3d>
+    <dgm:sp3d/>
+    <dgm:txPr/>
+    <dgm:style>
+      <a:lnRef idx="2">
+        <a:scrgbClr r="0" g="0" b="0"/>
+      </a:lnRef>
+      <a:fillRef idx="1">
+        <a:scrgbClr r="0" g="0" b="0"/>
+      </a:fillRef>
+      <a:effectRef idx="0">
+        <a:scrgbClr r="0" g="0" b="0"/>
+      </a:effectRef>
+      <a:fontRef idx="minor">
+        <a:schemeClr val="lt1"/>
+      </a:fontRef>
+    </dgm:style>
+  </dgm:styleLbl>
+  <dgm:styleLbl name="parChTrans1D1">
+    <dgm:scene3d>
+      <a:camera prst="orthographicFront"/>
+      <a:lightRig rig="threePt" dir="t"/>
+    </dgm:scene3d>
+    <dgm:sp3d/>
+    <dgm:txPr/>
+    <dgm:style>
+      <a:lnRef idx="2">
+        <a:scrgbClr r="0" g="0" b="0"/>
+      </a:lnRef>
+      <a:fillRef idx="0">
+        <a:scrgbClr r="0" g="0" b="0"/>
+      </a:fillRef>
+      <a:effectRef idx="0">
+        <a:scrgbClr r="0" g="0" b="0"/>
+      </a:effectRef>
+      <a:fontRef idx="minor"/>
+    </dgm:style>
+  </dgm:styleLbl>
+  <dgm:styleLbl name="parChTrans1D2">
+    <dgm:scene3d>
+      <a:camera prst="orthographicFront"/>
+      <a:lightRig rig="threePt" dir="t"/>
+    </dgm:scene3d>
+    <dgm:sp3d/>
+    <dgm:txPr/>
+    <dgm:style>
+      <a:lnRef idx="2">
+        <a:scrgbClr r="0" g="0" b="0"/>
+      </a:lnRef>
+      <a:fillRef idx="0">
+        <a:scrgbClr r="0" g="0" b="0"/>
+      </a:fillRef>
+      <a:effectRef idx="0">
+        <a:scrgbClr r="0" g="0" b="0"/>
+      </a:effectRef>
+      <a:fontRef idx="minor"/>
+    </dgm:style>
+  </dgm:styleLbl>
+  <dgm:styleLbl name="parChTrans1D3">
+    <dgm:scene3d>
+      <a:camera prst="orthographicFront"/>
+      <a:lightRig rig="threePt" dir="t"/>
+    </dgm:scene3d>
+    <dgm:sp3d/>
+    <dgm:txPr/>
+    <dgm:style>
+      <a:lnRef idx="2">
+        <a:scrgbClr r="0" g="0" b="0"/>
+      </a:lnRef>
+      <a:fillRef idx="0">
+        <a:scrgbClr r="0" g="0" b="0"/>
+      </a:fillRef>
+      <a:effectRef idx="0">
+        <a:scrgbClr r="0" g="0" b="0"/>
+      </a:effectRef>
+      <a:fontRef idx="minor"/>
+    </dgm:style>
+  </dgm:styleLbl>
+  <dgm:styleLbl name="parChTrans1D4">
+    <dgm:scene3d>
+      <a:camera prst="orthographicFront"/>
+      <a:lightRig rig="threePt" dir="t"/>
+    </dgm:scene3d>
+    <dgm:sp3d/>
+    <dgm:txPr/>
+    <dgm:style>
+      <a:lnRef idx="2">
+        <a:scrgbClr r="0" g="0" b="0"/>
+      </a:lnRef>
+      <a:fillRef idx="0">
+        <a:scrgbClr r="0" g="0" b="0"/>
+      </a:fillRef>
+      <a:effectRef idx="0">
+        <a:scrgbClr r="0" g="0" b="0"/>
+      </a:effectRef>
+      <a:fontRef idx="minor"/>
+    </dgm:style>
+  </dgm:styleLbl>
+  <dgm:styleLbl name="fgAcc1">
+    <dgm:scene3d>
+      <a:camera prst="orthographicFront"/>
+      <a:lightRig rig="threePt" dir="t"/>
+    </dgm:scene3d>
+    <dgm:sp3d/>
+    <dgm:txPr/>
+    <dgm:style>
+      <a:lnRef idx="2">
+        <a:scrgbClr r="0" g="0" b="0"/>
+      </a:lnRef>
+      <a:fillRef idx="1">
+        <a:scrgbClr r="0" g="0" b="0"/>
+      </a:fillRef>
+      <a:effectRef idx="0">
+        <a:scrgbClr r="0" g="0" b="0"/>
+      </a:effectRef>
+      <a:fontRef idx="minor"/>
+    </dgm:style>
+  </dgm:styleLbl>
+  <dgm:styleLbl name="conFgAcc1">
+    <dgm:scene3d>
+      <a:camera prst="orthographicFront"/>
+      <a:lightRig rig="threePt" dir="t"/>
+    </dgm:scene3d>
+    <dgm:sp3d/>
+    <dgm:txPr/>
+    <dgm:style>
+      <a:lnRef idx="2">
+        <a:scrgbClr r="0" g="0" b="0"/>
+      </a:lnRef>
+      <a:fillRef idx="1">
+        <a:scrgbClr r="0" g="0" b="0"/>
+      </a:fillRef>
+      <a:effectRef idx="0">
+        <a:scrgbClr r="0" g="0" b="0"/>
+      </a:effectRef>
+      <a:fontRef idx="minor"/>
+    </dgm:style>
+  </dgm:styleLbl>
+  <dgm:styleLbl name="alignAcc1">
+    <dgm:scene3d>
+      <a:camera prst="orthographicFront"/>
+      <a:lightRig rig="threePt" dir="t"/>
+    </dgm:scene3d>
+    <dgm:sp3d/>
+    <dgm:txPr/>
+    <dgm:style>
+      <a:lnRef idx="2">
+        <a:scrgbClr r="0" g="0" b="0"/>
+      </a:lnRef>
+      <a:fillRef idx="1">
+        <a:scrgbClr r="0" g="0" b="0"/>
+      </a:fillRef>
+      <a:effectRef idx="0">
+        <a:scrgbClr r="0" g="0" b="0"/>
+      </a:effectRef>
+      <a:fontRef idx="minor"/>
+    </dgm:style>
+  </dgm:styleLbl>
+  <dgm:styleLbl name="trAlignAcc1">
+    <dgm:scene3d>
+      <a:camera prst="orthographicFront"/>
+      <a:lightRig rig="threePt" dir="t"/>
+    </dgm:scene3d>
+    <dgm:sp3d/>
+    <dgm:txPr/>
+    <dgm:style>
+      <a:lnRef idx="1">
+        <a:scrgbClr r="0" g="0" b="0"/>
+      </a:lnRef>
+      <a:fillRef idx="1">
+        <a:scrgbClr r="0" g="0" b="0"/>
+      </a:fillRef>
+      <a:effectRef idx="0">
+        <a:scrgbClr r="0" g="0" b="0"/>
+      </a:effectRef>
+      <a:fontRef idx="minor"/>
+    </dgm:style>
+  </dgm:styleLbl>
+  <dgm:styleLbl name="bgAcc1">
+    <dgm:scene3d>
+      <a:camera prst="orthographicFront"/>
+      <a:lightRig rig="threePt" dir="t"/>
+    </dgm:scene3d>
+    <dgm:sp3d/>
+    <dgm:txPr/>
+    <dgm:style>
+      <a:lnRef idx="2">
+        <a:scrgbClr r="0" g="0" b="0"/>
+      </a:lnRef>
+      <a:fillRef idx="1">
+        <a:scrgbClr r="0" g="0" b="0"/>
+      </a:fillRef>
+      <a:effectRef idx="0">
+        <a:scrgbClr r="0" g="0" b="0"/>
+      </a:effectRef>
+      <a:fontRef idx="minor"/>
+    </dgm:style>
+  </dgm:styleLbl>
+  <dgm:styleLbl name="solidFgAcc1">
+    <dgm:scene3d>
+      <a:camera prst="orthographicFront"/>
+      <a:lightRig rig="threePt" dir="t"/>
+    </dgm:scene3d>
+    <dgm:sp3d/>
+    <dgm:txPr/>
+    <dgm:style>
+      <a:lnRef idx="2">
+        <a:scrgbClr r="0" g="0" b="0"/>
+      </a:lnRef>
+      <a:fillRef idx="1">
+        <a:scrgbClr r="0" g="0" b="0"/>
+      </a:fillRef>
+      <a:effectRef idx="0">
+        <a:scrgbClr r="0" g="0" b="0"/>
+      </a:effectRef>
+      <a:fontRef idx="minor"/>
+    </dgm:style>
+  </dgm:styleLbl>
+  <dgm:styleLbl name="solidAlignAcc1">
+    <dgm:scene3d>
+      <a:camera prst="orthographicFront"/>
+      <a:lightRig rig="threePt" dir="t"/>
+    </dgm:scene3d>
+    <dgm:sp3d/>
+    <dgm:txPr/>
+    <dgm:style>
+      <a:lnRef idx="2">
+        <a:scrgbClr r="0" g="0" b="0"/>
+      </a:lnRef>
+      <a:fillRef idx="1">
+        <a:scrgbClr r="0" g="0" b="0"/>
+      </a:fillRef>
+      <a:effectRef idx="0">
+        <a:scrgbClr r="0" g="0" b="0"/>
+      </a:effectRef>
+      <a:fontRef idx="minor"/>
+    </dgm:style>
+  </dgm:styleLbl>
+  <dgm:styleLbl name="solidBgAcc1">
+    <dgm:scene3d>
+      <a:camera prst="orthographicFront"/>
+      <a:lightRig rig="threePt" dir="t"/>
+    </dgm:scene3d>
+    <dgm:sp3d/>
+    <dgm:txPr/>
+    <dgm:style>
+      <a:lnRef idx="2">
+        <a:scrgbClr r="0" g="0" b="0"/>
+      </a:lnRef>
+      <a:fillRef idx="1">
+        <a:scrgbClr r="0" g="0" b="0"/>
+      </a:fillRef>
+      <a:effectRef idx="0">
+        <a:scrgbClr r="0" g="0" b="0"/>
+      </a:effectRef>
+      <a:fontRef idx="minor"/>
+    </dgm:style>
+  </dgm:styleLbl>
+  <dgm:styleLbl name="fgAccFollowNode1">
+    <dgm:scene3d>
+      <a:camera prst="orthographicFront"/>
+      <a:lightRig rig="threePt" dir="t"/>
+    </dgm:scene3d>
+    <dgm:sp3d/>
+    <dgm:txPr/>
+    <dgm:style>
+      <a:lnRef idx="2">
+        <a:scrgbClr r="0" g="0" b="0"/>
+      </a:lnRef>
+      <a:fillRef idx="1">
+        <a:scrgbClr r="0" g="0" b="0"/>
+      </a:fillRef>
+      <a:effectRef idx="0">
+        <a:scrgbClr r="0" g="0" b="0"/>
+      </a:effectRef>
+      <a:fontRef idx="minor"/>
+    </dgm:style>
+  </dgm:styleLbl>
+  <dgm:styleLbl name="alignAccFollowNode1">
+    <dgm:scene3d>
+      <a:camera prst="orthographicFront"/>
+      <a:lightRig rig="threePt" dir="t"/>
+    </dgm:scene3d>
+    <dgm:sp3d/>
+    <dgm:txPr/>
+    <dgm:style>
+      <a:lnRef idx="2">
+        <a:scrgbClr r="0" g="0" b="0"/>
+      </a:lnRef>
+      <a:fillRef idx="1">
+        <a:scrgbClr r="0" g="0" b="0"/>
+      </a:fillRef>
+      <a:effectRef idx="0">
+        <a:scrgbClr r="0" g="0" b="0"/>
+      </a:effectRef>
+      <a:fontRef idx="minor"/>
+    </dgm:style>
+  </dgm:styleLbl>
+  <dgm:styleLbl name="bgAccFollowNode1">
+    <dgm:scene3d>
+      <a:camera prst="orthographicFront"/>
+      <a:lightRig rig="threePt" dir="t"/>
+    </dgm:scene3d>
+    <dgm:sp3d/>
+    <dgm:txPr/>
+    <dgm:style>
+      <a:lnRef idx="2">
+        <a:scrgbClr r="0" g="0" b="0"/>
+      </a:lnRef>
+      <a:fillRef idx="1">
+        <a:scrgbClr r="0" g="0" b="0"/>
+      </a:fillRef>
+      <a:effectRef idx="0">
+        <a:scrgbClr r="0" g="0" b="0"/>
+      </a:effectRef>
+      <a:fontRef idx="minor"/>
+    </dgm:style>
+  </dgm:styleLbl>
+  <dgm:styleLbl name="fgAcc0">
+    <dgm:scene3d>
+      <a:camera prst="orthographicFront"/>
+      <a:lightRig rig="threePt" dir="t"/>
+    </dgm:scene3d>
+    <dgm:sp3d/>
+    <dgm:txPr/>
+    <dgm:style>
+      <a:lnRef idx="2">
+        <a:scrgbClr r="0" g="0" b="0"/>
+      </a:lnRef>
+      <a:fillRef idx="1">
+        <a:scrgbClr r="0" g="0" b="0"/>
+      </a:fillRef>
+      <a:effectRef idx="0">
+        <a:scrgbClr r="0" g="0" b="0"/>
+      </a:effectRef>
+      <a:fontRef idx="minor"/>
+    </dgm:style>
+  </dgm:styleLbl>
+  <dgm:styleLbl name="fgAcc2">
+    <dgm:scene3d>
+      <a:camera prst="orthographicFront"/>
+      <a:lightRig rig="threePt" dir="t"/>
+    </dgm:scene3d>
+    <dgm:sp3d/>
+    <dgm:txPr/>
+    <dgm:style>
+      <a:lnRef idx="2">
+        <a:scrgbClr r="0" g="0" b="0"/>
+      </a:lnRef>
+      <a:fillRef idx="1">
+        <a:scrgbClr r="0" g="0" b="0"/>
+      </a:fillRef>
+      <a:effectRef idx="0">
+        <a:scrgbClr r="0" g="0" b="0"/>
+      </a:effectRef>
+      <a:fontRef idx="minor"/>
+    </dgm:style>
+  </dgm:styleLbl>
+  <dgm:styleLbl name="fgAcc3">
+    <dgm:scene3d>
+      <a:camera prst="orthographicFront"/>
+      <a:lightRig rig="threePt" dir="t"/>
+    </dgm:scene3d>
+    <dgm:sp3d/>
+    <dgm:txPr/>
+    <dgm:style>
+      <a:lnRef idx="2">
+        <a:scrgbClr r="0" g="0" b="0"/>
+      </a:lnRef>
+      <a:fillRef idx="1">
+        <a:scrgbClr r="0" g="0" b="0"/>
+      </a:fillRef>
+      <a:effectRef idx="0">
+        <a:scrgbClr r="0" g="0" b="0"/>
+      </a:effectRef>
+      <a:fontRef idx="minor"/>
+    </dgm:style>
+  </dgm:styleLbl>
+  <dgm:styleLbl name="fgAcc4">
+    <dgm:scene3d>
+      <a:camera prst="orthographicFront"/>
+      <a:lightRig rig="threePt" dir="t"/>
+    </dgm:scene3d>
+    <dgm:sp3d/>
+    <dgm:txPr/>
+    <dgm:style>
+      <a:lnRef idx="2">
+        <a:scrgbClr r="0" g="0" b="0"/>
+      </a:lnRef>
+      <a:fillRef idx="1">
+        <a:scrgbClr r="0" g="0" b="0"/>
+      </a:fillRef>
+      <a:effectRef idx="0">
+        <a:scrgbClr r="0" g="0" b="0"/>
+      </a:effectRef>
+      <a:fontRef idx="minor"/>
+    </dgm:style>
+  </dgm:styleLbl>
+  <dgm:styleLbl name="bgShp">
+    <dgm:scene3d>
+      <a:camera prst="orthographicFront"/>
+      <a:lightRig rig="threePt" dir="t"/>
+    </dgm:scene3d>
+    <dgm:sp3d/>
+    <dgm:txPr/>
+    <dgm:style>
+      <a:lnRef idx="0">
+        <a:scrgbClr r="0" g="0" b="0"/>
+      </a:lnRef>
+      <a:fillRef idx="1">
+        <a:scrgbClr r="0" g="0" b="0"/>
+      </a:fillRef>
+      <a:effectRef idx="0">
+        <a:scrgbClr r="0" g="0" b="0"/>
+      </a:effectRef>
+      <a:fontRef idx="minor"/>
+    </dgm:style>
+  </dgm:styleLbl>
+  <dgm:styleLbl name="dkBgShp">
+    <dgm:scene3d>
+      <a:camera prst="orthographicFront"/>
+      <a:lightRig rig="threePt" dir="t"/>
+    </dgm:scene3d>
+    <dgm:sp3d/>
+    <dgm:txPr/>
+    <dgm:style>
+      <a:lnRef idx="0">
+        <a:scrgbClr r="0" g="0" b="0"/>
+      </a:lnRef>
+      <a:fillRef idx="1">
+        <a:scrgbClr r="0" g="0" b="0"/>
+      </a:fillRef>
+      <a:effectRef idx="0">
+        <a:scrgbClr r="0" g="0" b="0"/>
+      </a:effectRef>
+      <a:fontRef idx="minor"/>
+    </dgm:style>
+  </dgm:styleLbl>
+  <dgm:styleLbl name="trBgShp">
+    <dgm:scene3d>
+      <a:camera prst="orthographicFront"/>
+      <a:lightRig rig="threePt" dir="t"/>
+    </dgm:scene3d>
+    <dgm:sp3d/>
+    <dgm:txPr/>
+    <dgm:style>
+      <a:lnRef idx="0">
+        <a:scrgbClr r="0" g="0" b="0"/>
+      </a:lnRef>
+      <a:fillRef idx="1">
+        <a:scrgbClr r="0" g="0" b="0"/>
+      </a:fillRef>
+      <a:effectRef idx="0">
+        <a:scrgbClr r="0" g="0" b="0"/>
+      </a:effectRef>
+      <a:fontRef idx="minor"/>
+    </dgm:style>
+  </dgm:styleLbl>
+  <dgm:styleLbl name="fgShp">
+    <dgm:scene3d>
+      <a:camera prst="orthographicFront"/>
+      <a:lightRig rig="threePt" dir="t"/>
+    </dgm:scene3d>
+    <dgm:sp3d/>
+    <dgm:txPr/>
+    <dgm:style>
+      <a:lnRef idx="2">
+        <a:scrgbClr r="0" g="0" b="0"/>
+      </a:lnRef>
+      <a:fillRef idx="1">
+        <a:scrgbClr r="0" g="0" b="0"/>
+      </a:fillRef>
+      <a:effectRef idx="0">
+        <a:scrgbClr r="0" g="0" b="0"/>
+      </a:effectRef>
+      <a:fontRef idx="minor"/>
+    </dgm:style>
+  </dgm:styleLbl>
+  <dgm:styleLbl name="revTx">
+    <dgm:scene3d>
+      <a:camera prst="orthographicFront"/>
+      <a:lightRig rig="threePt" dir="t"/>
+    </dgm:scene3d>
+    <dgm:sp3d/>
+    <dgm:txPr/>
+    <dgm:style>
+      <a:lnRef idx="0">
+        <a:scrgbClr r="0" g="0" b="0"/>
+      </a:lnRef>
+      <a:fillRef idx="0">
+        <a:scrgbClr r="0" g="0" b="0"/>
+      </a:fillRef>
+      <a:effectRef idx="0">
+        <a:scrgbClr r="0" g="0" b="0"/>
+      </a:effectRef>
+      <a:fontRef idx="minor"/>
+    </dgm:style>
+  </dgm:styleLbl>
+</dgm:styleDef>
+</file>
+
+<file path=ppt/diagrams/quickStyle3.xml><?xml version="1.0" encoding="utf-8"?>
 <dgm:styleDef xmlns:dgm="http://schemas.openxmlformats.org/drawingml/2006/diagram" xmlns:a="http://schemas.openxmlformats.org/drawingml/2006/main" uniqueId="urn:microsoft.com/office/officeart/2005/8/quickstyle/simple1">
   <dgm:title val=""/>
   <dgm:desc val=""/>
@@ -9911,12 +12757,20 @@
           <a:p>
             <a:pPr algn="l"/>
             <a:r>
-              <a:rPr lang="en-GB" sz="4800">
+              <a:rPr lang="en-GB" sz="4800" dirty="0" err="1">
                 <a:solidFill>
                   <a:srgbClr val="FFFFFF"/>
                 </a:solidFill>
               </a:rPr>
-              <a:t>Frothly Incident</a:t>
+              <a:t>Frothly</a:t>
+            </a:r>
+            <a:r>
+              <a:rPr lang="en-GB" sz="4800" dirty="0">
+                <a:solidFill>
+                  <a:srgbClr val="FFFFFF"/>
+                </a:solidFill>
+              </a:rPr>
+              <a:t> Incident Conclusion</a:t>
             </a:r>
           </a:p>
         </p:txBody>
@@ -9951,7 +12805,7 @@
           <a:p>
             <a:pPr algn="l"/>
             <a:r>
-              <a:rPr lang="en-GB"/>
+              <a:rPr lang="en-GB" dirty="0"/>
               <a:t>By Nikodem</a:t>
             </a:r>
           </a:p>
@@ -10930,6 +13784,416 @@
 </file>
 
 <file path=ppt/slides/slide4.xml><?xml version="1.0" encoding="utf-8"?>
+<p:sld xmlns:a="http://schemas.openxmlformats.org/drawingml/2006/main" xmlns:r="http://schemas.openxmlformats.org/officeDocument/2006/relationships" xmlns:p="http://schemas.openxmlformats.org/presentationml/2006/main">
+  <p:cSld>
+    <p:bg>
+      <p:bgPr>
+        <a:solidFill>
+          <a:schemeClr val="bg1"/>
+        </a:solidFill>
+        <a:effectLst/>
+      </p:bgPr>
+    </p:bg>
+    <p:spTree>
+      <p:nvGrpSpPr>
+        <p:cNvPr id="1" name=""/>
+        <p:cNvGrpSpPr/>
+        <p:nvPr/>
+      </p:nvGrpSpPr>
+      <p:grpSpPr>
+        <a:xfrm>
+          <a:off x="0" y="0"/>
+          <a:ext cx="0" cy="0"/>
+          <a:chOff x="0" y="0"/>
+          <a:chExt cx="0" cy="0"/>
+        </a:xfrm>
+      </p:grpSpPr>
+      <p:sp useBgFill="1">
+        <p:nvSpPr>
+          <p:cNvPr id="9" name="Rectangle 8">
+            <a:extLst>
+              <a:ext uri="{FF2B5EF4-FFF2-40B4-BE49-F238E27FC236}">
+                <a16:creationId xmlns:a16="http://schemas.microsoft.com/office/drawing/2014/main" id="{BACC6370-2D7E-4714-9D71-7542949D7D5D}"/>
+              </a:ext>
+              <a:ext uri="{C183D7F6-B498-43B3-948B-1728B52AA6E4}">
+                <adec:decorative xmlns:adec="http://schemas.microsoft.com/office/drawing/2017/decorative" val="1"/>
+              </a:ext>
+            </a:extLst>
+          </p:cNvPr>
+          <p:cNvSpPr>
+            <a:spLocks noGrp="1" noRot="1" noChangeAspect="1" noMove="1" noResize="1" noEditPoints="1" noAdjustHandles="1" noChangeArrowheads="1" noChangeShapeType="1" noTextEdit="1"/>
+          </p:cNvSpPr>
+          <p:nvPr>
+            <p:extLst>
+              <p:ext uri="{386F3935-93C4-4BCD-93E2-E3B085C9AB24}">
+                <p16:designElem xmlns:p16="http://schemas.microsoft.com/office/powerpoint/2015/main" val="1"/>
+              </p:ext>
+            </p:extLst>
+          </p:nvPr>
+        </p:nvSpPr>
+        <p:spPr>
+          <a:xfrm>
+            <a:off x="0" y="0"/>
+            <a:ext cx="12192000" cy="6858000"/>
+          </a:xfrm>
+          <a:prstGeom prst="rect">
+            <a:avLst/>
+          </a:prstGeom>
+          <a:ln w="12700" cap="flat" cmpd="sng" algn="ctr">
+            <a:noFill/>
+            <a:prstDash val="solid"/>
+            <a:miter lim="800000"/>
+          </a:ln>
+          <a:effectLst/>
+          <a:extLst>
+            <a:ext uri="{91240B29-F687-4F45-9708-019B960494DF}">
+              <a14:hiddenLine xmlns:a14="http://schemas.microsoft.com/office/drawing/2010/main" w="12700" cap="flat" cmpd="sng" algn="ctr">
+                <a:solidFill>
+                  <a:schemeClr val="accent1">
+                    <a:shade val="50000"/>
+                  </a:schemeClr>
+                </a:solidFill>
+                <a:prstDash val="solid"/>
+                <a:miter lim="800000"/>
+              </a14:hiddenLine>
+            </a:ext>
+          </a:extLst>
+        </p:spPr>
+        <p:style>
+          <a:lnRef idx="2">
+            <a:schemeClr val="accent1">
+              <a:shade val="50000"/>
+            </a:schemeClr>
+          </a:lnRef>
+          <a:fillRef idx="1">
+            <a:schemeClr val="accent1"/>
+          </a:fillRef>
+          <a:effectRef idx="0">
+            <a:schemeClr val="accent1"/>
+          </a:effectRef>
+          <a:fontRef idx="minor">
+            <a:schemeClr val="lt1"/>
+          </a:fontRef>
+        </p:style>
+        <p:txBody>
+          <a:bodyPr rtlCol="0" anchor="ctr"/>
+          <a:lstStyle/>
+          <a:p>
+            <a:pPr algn="ctr"/>
+            <a:endParaRPr lang="en-US"/>
+          </a:p>
+        </p:txBody>
+      </p:sp>
+      <p:sp>
+        <p:nvSpPr>
+          <p:cNvPr id="11" name="Rectangle 10">
+            <a:extLst>
+              <a:ext uri="{FF2B5EF4-FFF2-40B4-BE49-F238E27FC236}">
+                <a16:creationId xmlns:a16="http://schemas.microsoft.com/office/drawing/2014/main" id="{F68B3F68-107C-434F-AA38-110D5EA91B85}"/>
+              </a:ext>
+              <a:ext uri="{C183D7F6-B498-43B3-948B-1728B52AA6E4}">
+                <adec:decorative xmlns:adec="http://schemas.microsoft.com/office/drawing/2017/decorative" val="1"/>
+              </a:ext>
+            </a:extLst>
+          </p:cNvPr>
+          <p:cNvSpPr>
+            <a:spLocks noGrp="1" noRot="1" noChangeAspect="1" noMove="1" noResize="1" noEditPoints="1" noAdjustHandles="1" noChangeArrowheads="1" noChangeShapeType="1" noTextEdit="1"/>
+          </p:cNvSpPr>
+          <p:nvPr>
+            <p:extLst>
+              <p:ext uri="{386F3935-93C4-4BCD-93E2-E3B085C9AB24}">
+                <p16:designElem xmlns:p16="http://schemas.microsoft.com/office/powerpoint/2015/main" val="1"/>
+              </p:ext>
+            </p:extLst>
+          </p:nvPr>
+        </p:nvSpPr>
+        <p:spPr>
+          <a:xfrm flipH="1">
+            <a:off x="2" y="0"/>
+            <a:ext cx="12191998" cy="1575955"/>
+          </a:xfrm>
+          <a:prstGeom prst="rect">
+            <a:avLst/>
+          </a:prstGeom>
+          <a:gradFill>
+            <a:gsLst>
+              <a:gs pos="0">
+                <a:srgbClr val="000000">
+                  <a:alpha val="96000"/>
+                </a:srgbClr>
+              </a:gs>
+              <a:gs pos="100000">
+                <a:schemeClr val="accent1">
+                  <a:lumMod val="75000"/>
+                </a:schemeClr>
+              </a:gs>
+            </a:gsLst>
+            <a:lin ang="8400000" scaled="0"/>
+          </a:gradFill>
+          <a:ln>
+            <a:noFill/>
+          </a:ln>
+        </p:spPr>
+        <p:style>
+          <a:lnRef idx="2">
+            <a:schemeClr val="accent1">
+              <a:shade val="50000"/>
+            </a:schemeClr>
+          </a:lnRef>
+          <a:fillRef idx="1">
+            <a:schemeClr val="accent1"/>
+          </a:fillRef>
+          <a:effectRef idx="0">
+            <a:schemeClr val="accent1"/>
+          </a:effectRef>
+          <a:fontRef idx="minor">
+            <a:schemeClr val="lt1"/>
+          </a:fontRef>
+        </p:style>
+        <p:txBody>
+          <a:bodyPr rtlCol="0" anchor="ctr"/>
+          <a:lstStyle/>
+          <a:p>
+            <a:pPr algn="ctr"/>
+            <a:endParaRPr lang="en-US"/>
+          </a:p>
+        </p:txBody>
+      </p:sp>
+      <p:sp>
+        <p:nvSpPr>
+          <p:cNvPr id="13" name="Rectangle 12">
+            <a:extLst>
+              <a:ext uri="{FF2B5EF4-FFF2-40B4-BE49-F238E27FC236}">
+                <a16:creationId xmlns:a16="http://schemas.microsoft.com/office/drawing/2014/main" id="{AAD0DBB9-1A4B-4391-81D4-CB19F9AB918A}"/>
+              </a:ext>
+              <a:ext uri="{C183D7F6-B498-43B3-948B-1728B52AA6E4}">
+                <adec:decorative xmlns:adec="http://schemas.microsoft.com/office/drawing/2017/decorative" val="1"/>
+              </a:ext>
+            </a:extLst>
+          </p:cNvPr>
+          <p:cNvSpPr>
+            <a:spLocks noGrp="1" noRot="1" noChangeAspect="1" noMove="1" noResize="1" noEditPoints="1" noAdjustHandles="1" noChangeArrowheads="1" noChangeShapeType="1" noTextEdit="1"/>
+          </p:cNvSpPr>
+          <p:nvPr>
+            <p:extLst>
+              <p:ext uri="{386F3935-93C4-4BCD-93E2-E3B085C9AB24}">
+                <p16:designElem xmlns:p16="http://schemas.microsoft.com/office/powerpoint/2015/main" val="1"/>
+              </p:ext>
+            </p:extLst>
+          </p:nvPr>
+        </p:nvSpPr>
+        <p:spPr>
+          <a:xfrm rot="10800000" flipH="1">
+            <a:off x="8128857" y="0"/>
+            <a:ext cx="4063143" cy="1576412"/>
+          </a:xfrm>
+          <a:prstGeom prst="rect">
+            <a:avLst/>
+          </a:prstGeom>
+          <a:gradFill>
+            <a:gsLst>
+              <a:gs pos="19000">
+                <a:schemeClr val="accent1">
+                  <a:lumMod val="50000"/>
+                  <a:alpha val="68000"/>
+                </a:schemeClr>
+              </a:gs>
+              <a:gs pos="100000">
+                <a:schemeClr val="accent1">
+                  <a:alpha val="79000"/>
+                </a:schemeClr>
+              </a:gs>
+            </a:gsLst>
+            <a:lin ang="19200000" scaled="0"/>
+          </a:gradFill>
+          <a:ln>
+            <a:noFill/>
+          </a:ln>
+        </p:spPr>
+        <p:style>
+          <a:lnRef idx="2">
+            <a:schemeClr val="accent1">
+              <a:shade val="50000"/>
+            </a:schemeClr>
+          </a:lnRef>
+          <a:fillRef idx="1">
+            <a:schemeClr val="accent1"/>
+          </a:fillRef>
+          <a:effectRef idx="0">
+            <a:schemeClr val="accent1"/>
+          </a:effectRef>
+          <a:fontRef idx="minor">
+            <a:schemeClr val="lt1"/>
+          </a:fontRef>
+        </p:style>
+        <p:txBody>
+          <a:bodyPr rtlCol="0" anchor="ctr"/>
+          <a:lstStyle/>
+          <a:p>
+            <a:pPr algn="ctr"/>
+            <a:endParaRPr lang="en-US"/>
+          </a:p>
+        </p:txBody>
+      </p:sp>
+      <p:sp>
+        <p:nvSpPr>
+          <p:cNvPr id="15" name="Rectangle 14">
+            <a:extLst>
+              <a:ext uri="{FF2B5EF4-FFF2-40B4-BE49-F238E27FC236}">
+                <a16:creationId xmlns:a16="http://schemas.microsoft.com/office/drawing/2014/main" id="{063BBA22-50EA-4C4D-BE05-F1CE4E63AA56}"/>
+              </a:ext>
+              <a:ext uri="{C183D7F6-B498-43B3-948B-1728B52AA6E4}">
+                <adec:decorative xmlns:adec="http://schemas.microsoft.com/office/drawing/2017/decorative" val="1"/>
+              </a:ext>
+            </a:extLst>
+          </p:cNvPr>
+          <p:cNvSpPr>
+            <a:spLocks noGrp="1" noRot="1" noChangeAspect="1" noMove="1" noResize="1" noEditPoints="1" noAdjustHandles="1" noChangeArrowheads="1" noChangeShapeType="1" noTextEdit="1"/>
+          </p:cNvSpPr>
+          <p:nvPr>
+            <p:extLst>
+              <p:ext uri="{386F3935-93C4-4BCD-93E2-E3B085C9AB24}">
+                <p16:designElem xmlns:p16="http://schemas.microsoft.com/office/powerpoint/2015/main" val="1"/>
+              </p:ext>
+            </p:extLst>
+          </p:nvPr>
+        </p:nvSpPr>
+        <p:spPr>
+          <a:xfrm rot="5400000">
+            <a:off x="5307777" y="-5307778"/>
+            <a:ext cx="1576446" cy="12192002"/>
+          </a:xfrm>
+          <a:prstGeom prst="rect">
+            <a:avLst/>
+          </a:prstGeom>
+          <a:gradFill>
+            <a:gsLst>
+              <a:gs pos="23000">
+                <a:schemeClr val="accent1">
+                  <a:alpha val="0"/>
+                </a:schemeClr>
+              </a:gs>
+              <a:gs pos="99000">
+                <a:srgbClr val="000000">
+                  <a:alpha val="74000"/>
+                </a:srgbClr>
+              </a:gs>
+            </a:gsLst>
+            <a:lin ang="20400000" scaled="0"/>
+          </a:gradFill>
+          <a:ln>
+            <a:noFill/>
+          </a:ln>
+        </p:spPr>
+        <p:style>
+          <a:lnRef idx="2">
+            <a:schemeClr val="accent1">
+              <a:shade val="50000"/>
+            </a:schemeClr>
+          </a:lnRef>
+          <a:fillRef idx="1">
+            <a:schemeClr val="accent1"/>
+          </a:fillRef>
+          <a:effectRef idx="0">
+            <a:schemeClr val="accent1"/>
+          </a:effectRef>
+          <a:fontRef idx="minor">
+            <a:schemeClr val="lt1"/>
+          </a:fontRef>
+        </p:style>
+        <p:txBody>
+          <a:bodyPr rtlCol="0" anchor="ctr"/>
+          <a:lstStyle/>
+          <a:p>
+            <a:pPr algn="ctr"/>
+            <a:endParaRPr lang="en-US" dirty="0"/>
+          </a:p>
+        </p:txBody>
+      </p:sp>
+      <p:sp>
+        <p:nvSpPr>
+          <p:cNvPr id="2" name="Title 1">
+            <a:extLst>
+              <a:ext uri="{FF2B5EF4-FFF2-40B4-BE49-F238E27FC236}">
+                <a16:creationId xmlns:a16="http://schemas.microsoft.com/office/drawing/2014/main" id="{93B50101-56DA-008C-BB0A-D23CD8F6ABB1}"/>
+              </a:ext>
+            </a:extLst>
+          </p:cNvPr>
+          <p:cNvSpPr>
+            <a:spLocks noGrp="1"/>
+          </p:cNvSpPr>
+          <p:nvPr>
+            <p:ph type="title"/>
+          </p:nvPr>
+        </p:nvSpPr>
+        <p:spPr>
+          <a:xfrm>
+            <a:off x="1371597" y="348865"/>
+            <a:ext cx="10044023" cy="877729"/>
+          </a:xfrm>
+        </p:spPr>
+        <p:txBody>
+          <a:bodyPr anchor="ctr">
+            <a:normAutofit/>
+          </a:bodyPr>
+          <a:lstStyle/>
+          <a:p>
+            <a:r>
+              <a:rPr lang="en-GB" sz="4000">
+                <a:solidFill>
+                  <a:srgbClr val="FFFFFF"/>
+                </a:solidFill>
+              </a:rPr>
+              <a:t>Explanation</a:t>
+            </a:r>
+          </a:p>
+        </p:txBody>
+      </p:sp>
+      <p:graphicFrame>
+        <p:nvGraphicFramePr>
+          <p:cNvPr id="5" name="Content Placeholder 2">
+            <a:extLst>
+              <a:ext uri="{FF2B5EF4-FFF2-40B4-BE49-F238E27FC236}">
+                <a16:creationId xmlns:a16="http://schemas.microsoft.com/office/drawing/2014/main" id="{F0E558BB-995D-6196-4F9D-97B85848D097}"/>
+              </a:ext>
+            </a:extLst>
+          </p:cNvPr>
+          <p:cNvGraphicFramePr>
+            <a:graphicFrameLocks noGrp="1"/>
+          </p:cNvGraphicFramePr>
+          <p:nvPr>
+            <p:ph idx="1"/>
+            <p:extLst>
+              <p:ext uri="{D42A27DB-BD31-4B8C-83A1-F6EECF244321}">
+                <p14:modId xmlns:p14="http://schemas.microsoft.com/office/powerpoint/2010/main" val="498002751"/>
+              </p:ext>
+            </p:extLst>
+          </p:nvPr>
+        </p:nvGraphicFramePr>
+        <p:xfrm>
+          <a:off x="644056" y="2112579"/>
+          <a:ext cx="10927829" cy="4192805"/>
+        </p:xfrm>
+        <a:graphic>
+          <a:graphicData uri="http://schemas.openxmlformats.org/drawingml/2006/diagram">
+            <dgm:relIds xmlns:dgm="http://schemas.openxmlformats.org/drawingml/2006/diagram" xmlns:r="http://schemas.openxmlformats.org/officeDocument/2006/relationships" r:dm="rId2" r:lo="rId3" r:qs="rId4" r:cs="rId5"/>
+          </a:graphicData>
+        </a:graphic>
+      </p:graphicFrame>
+    </p:spTree>
+    <p:extLst>
+      <p:ext uri="{BB962C8B-B14F-4D97-AF65-F5344CB8AC3E}">
+        <p14:creationId xmlns:p14="http://schemas.microsoft.com/office/powerpoint/2010/main" val="670125254"/>
+      </p:ext>
+    </p:extLst>
+  </p:cSld>
+  <p:clrMapOvr>
+    <a:masterClrMapping/>
+  </p:clrMapOvr>
+</p:sld>
+</file>
+
+<file path=ppt/slides/slide5.xml><?xml version="1.0" encoding="utf-8"?>
 <p:sld xmlns:a="http://schemas.openxmlformats.org/drawingml/2006/main" xmlns:r="http://schemas.openxmlformats.org/officeDocument/2006/relationships" xmlns:p="http://schemas.openxmlformats.org/presentationml/2006/main">
   <p:cSld>
     <p:bg>
